--- a/images/images.pptx
+++ b/images/images.pptx
@@ -6,6 +6,9 @@
   </p:sldMasterIdLst>
   <p:sldIdLst>
     <p:sldId id="256" r:id="rId3"/>
+    <p:sldId id="257" r:id="rId4"/>
+    <p:sldId id="258" r:id="rId5"/>
+    <p:sldId id="259" r:id="rId6"/>
   </p:sldIdLst>
   <p:sldSz cx="12192000" cy="6858000"/>
   <p:notesSz cx="7103745" cy="10234295"/>
@@ -2629,16 +2632,16 @@
       <p:grpSpPr/>
       <p:grpSp>
         <p:nvGrpSpPr>
-          <p:cNvPr id="2" name="Group 1"/>
+          <p:cNvPr id="13" name="Group 12"/>
           <p:cNvGrpSpPr/>
           <p:nvPr/>
         </p:nvGrpSpPr>
         <p:grpSpPr>
           <a:xfrm>
-            <a:off x="2372360" y="1588770"/>
-            <a:ext cx="6917055" cy="3293110"/>
-            <a:chOff x="3736" y="2502"/>
-            <a:chExt cx="10893" cy="5186"/>
+            <a:off x="2372360" y="1782445"/>
+            <a:ext cx="6917055" cy="3741420"/>
+            <a:chOff x="3736" y="2807"/>
+            <a:chExt cx="10893" cy="5892"/>
           </a:xfrm>
         </p:grpSpPr>
         <p:sp>
@@ -2649,7 +2652,7 @@
           </p:nvSpPr>
           <p:spPr>
             <a:xfrm>
-              <a:off x="3736" y="2502"/>
+              <a:off x="3736" y="2807"/>
               <a:ext cx="4147" cy="3859"/>
             </a:xfrm>
             <a:prstGeom prst="roundRect">
@@ -2695,7 +2698,7 @@
           </p:nvSpPr>
           <p:spPr>
             <a:xfrm>
-              <a:off x="4127" y="5125"/>
+              <a:off x="4127" y="5430"/>
               <a:ext cx="1032" cy="432"/>
             </a:xfrm>
             <a:prstGeom prst="roundRect">
@@ -2742,7 +2745,7 @@
           </p:nvSpPr>
           <p:spPr>
             <a:xfrm>
-              <a:off x="5294" y="5125"/>
+              <a:off x="5294" y="5430"/>
               <a:ext cx="1031" cy="432"/>
             </a:xfrm>
             <a:prstGeom prst="roundRect">
@@ -2789,7 +2792,7 @@
           </p:nvSpPr>
           <p:spPr>
             <a:xfrm>
-              <a:off x="6460" y="5125"/>
+              <a:off x="6460" y="5430"/>
               <a:ext cx="1032" cy="432"/>
             </a:xfrm>
             <a:prstGeom prst="roundRect">
@@ -2836,7 +2839,7 @@
           </p:nvSpPr>
           <p:spPr>
             <a:xfrm>
-              <a:off x="5359" y="2868"/>
+              <a:off x="5359" y="3173"/>
               <a:ext cx="901" cy="432"/>
             </a:xfrm>
             <a:prstGeom prst="roundRect">
@@ -2879,7 +2882,7 @@
           </p:nvSpPr>
           <p:spPr>
             <a:xfrm>
-              <a:off x="4974" y="3664"/>
+              <a:off x="4974" y="3969"/>
               <a:ext cx="1670" cy="432"/>
             </a:xfrm>
             <a:prstGeom prst="roundRect">
@@ -2925,7 +2928,7 @@
           </p:nvCxnSpPr>
           <p:spPr>
             <a:xfrm flipV="1">
-              <a:off x="5809" y="3300"/>
+              <a:off x="5809" y="3605"/>
               <a:ext cx="1" cy="364"/>
             </a:xfrm>
             <a:prstGeom prst="line">
@@ -2955,7 +2958,7 @@
           </p:nvSpPr>
           <p:spPr>
             <a:xfrm>
-              <a:off x="4638" y="5759"/>
+              <a:off x="4638" y="6064"/>
               <a:ext cx="2344" cy="483"/>
             </a:xfrm>
             <a:prstGeom prst="rect">
@@ -2984,7 +2987,7 @@
           </p:nvSpPr>
           <p:spPr>
             <a:xfrm>
-              <a:off x="4127" y="4422"/>
+              <a:off x="4127" y="4727"/>
               <a:ext cx="1032" cy="432"/>
             </a:xfrm>
             <a:prstGeom prst="roundRect">
@@ -3027,7 +3030,7 @@
           </p:nvSpPr>
           <p:spPr>
             <a:xfrm>
-              <a:off x="5293" y="4422"/>
+              <a:off x="5293" y="4727"/>
               <a:ext cx="1032" cy="432"/>
             </a:xfrm>
             <a:prstGeom prst="roundRect">
@@ -3070,7 +3073,7 @@
           </p:nvSpPr>
           <p:spPr>
             <a:xfrm>
-              <a:off x="6460" y="4422"/>
+              <a:off x="6460" y="4727"/>
               <a:ext cx="1032" cy="432"/>
             </a:xfrm>
             <a:prstGeom prst="roundRect">
@@ -3116,7 +3119,7 @@
           </p:nvCxnSpPr>
           <p:spPr>
             <a:xfrm flipV="1">
-              <a:off x="4643" y="4096"/>
+              <a:off x="4643" y="4401"/>
               <a:ext cx="1166" cy="326"/>
             </a:xfrm>
             <a:prstGeom prst="line">
@@ -3149,7 +3152,7 @@
           </p:nvCxnSpPr>
           <p:spPr>
             <a:xfrm>
-              <a:off x="5809" y="4096"/>
+              <a:off x="5809" y="4401"/>
               <a:ext cx="1167" cy="326"/>
             </a:xfrm>
             <a:prstGeom prst="line">
@@ -3182,7 +3185,7 @@
           </p:nvCxnSpPr>
           <p:spPr>
             <a:xfrm>
-              <a:off x="5809" y="4096"/>
+              <a:off x="5809" y="4401"/>
               <a:ext cx="0" cy="326"/>
             </a:xfrm>
             <a:prstGeom prst="line">
@@ -3215,7 +3218,7 @@
           </p:nvCxnSpPr>
           <p:spPr>
             <a:xfrm>
-              <a:off x="5809" y="4854"/>
+              <a:off x="5809" y="5159"/>
               <a:ext cx="1" cy="271"/>
             </a:xfrm>
             <a:prstGeom prst="line">
@@ -3248,7 +3251,7 @@
           </p:nvCxnSpPr>
           <p:spPr>
             <a:xfrm>
-              <a:off x="6976" y="4854"/>
+              <a:off x="6976" y="5159"/>
               <a:ext cx="0" cy="271"/>
             </a:xfrm>
             <a:prstGeom prst="line">
@@ -3281,7 +3284,7 @@
           </p:nvCxnSpPr>
           <p:spPr>
             <a:xfrm>
-              <a:off x="4643" y="4854"/>
+              <a:off x="4643" y="5159"/>
               <a:ext cx="0" cy="271"/>
             </a:xfrm>
             <a:prstGeom prst="line">
@@ -3311,7 +3314,7 @@
           </p:nvSpPr>
           <p:spPr>
             <a:xfrm>
-              <a:off x="8456" y="3664"/>
+              <a:off x="8456" y="3969"/>
               <a:ext cx="1322" cy="432"/>
             </a:xfrm>
             <a:prstGeom prst="roundRect">
@@ -3357,7 +3360,7 @@
           </p:nvCxnSpPr>
           <p:spPr>
             <a:xfrm flipH="1">
-              <a:off x="6644" y="3880"/>
+              <a:off x="6644" y="4185"/>
               <a:ext cx="1812" cy="0"/>
             </a:xfrm>
             <a:prstGeom prst="line">
@@ -3393,7 +3396,7 @@
           </p:nvSpPr>
           <p:spPr>
             <a:xfrm>
-              <a:off x="8190" y="3545"/>
+              <a:off x="8190" y="3850"/>
               <a:ext cx="1816" cy="1309"/>
             </a:xfrm>
             <a:prstGeom prst="roundRect">
@@ -3436,7 +3439,7 @@
           </p:nvSpPr>
           <p:spPr>
             <a:xfrm>
-              <a:off x="8191" y="4129"/>
+              <a:off x="8191" y="4434"/>
               <a:ext cx="1852" cy="725"/>
             </a:xfrm>
             <a:prstGeom prst="rect">
@@ -3465,7 +3468,7 @@
           </p:nvSpPr>
           <p:spPr>
             <a:xfrm>
-              <a:off x="10844" y="4455"/>
+              <a:off x="10844" y="4760"/>
               <a:ext cx="1032" cy="432"/>
             </a:xfrm>
             <a:prstGeom prst="roundRect">
@@ -3508,7 +3511,7 @@
           </p:nvSpPr>
           <p:spPr>
             <a:xfrm>
-              <a:off x="12036" y="4455"/>
+              <a:off x="12036" y="4760"/>
               <a:ext cx="1032" cy="432"/>
             </a:xfrm>
             <a:prstGeom prst="roundRect">
@@ -3551,7 +3554,7 @@
           </p:nvSpPr>
           <p:spPr>
             <a:xfrm>
-              <a:off x="13263" y="4455"/>
+              <a:off x="13263" y="4760"/>
               <a:ext cx="1032" cy="432"/>
             </a:xfrm>
             <a:prstGeom prst="roundRect">
@@ -3594,7 +3597,7 @@
           </p:nvSpPr>
           <p:spPr>
             <a:xfrm>
-              <a:off x="10909" y="6442"/>
+              <a:off x="10909" y="6747"/>
               <a:ext cx="901" cy="432"/>
             </a:xfrm>
             <a:prstGeom prst="roundRect">
@@ -3641,7 +3644,7 @@
           </p:nvSpPr>
           <p:spPr>
             <a:xfrm>
-              <a:off x="12102" y="6442"/>
+              <a:off x="12102" y="6747"/>
               <a:ext cx="901" cy="432"/>
             </a:xfrm>
             <a:prstGeom prst="roundRect">
@@ -3688,7 +3691,7 @@
           </p:nvSpPr>
           <p:spPr>
             <a:xfrm>
-              <a:off x="13329" y="6442"/>
+              <a:off x="13329" y="6747"/>
               <a:ext cx="901" cy="432"/>
             </a:xfrm>
             <a:prstGeom prst="roundRect">
@@ -3735,7 +3738,7 @@
           </p:nvSpPr>
           <p:spPr>
             <a:xfrm>
-              <a:off x="11622" y="5284"/>
+              <a:off x="11622" y="5589"/>
               <a:ext cx="1861" cy="738"/>
             </a:xfrm>
             <a:prstGeom prst="roundRect">
@@ -3781,7 +3784,7 @@
           </p:nvCxnSpPr>
           <p:spPr>
             <a:xfrm flipV="1">
-              <a:off x="11360" y="6022"/>
+              <a:off x="11360" y="6327"/>
               <a:ext cx="1193" cy="420"/>
             </a:xfrm>
             <a:prstGeom prst="line">
@@ -3814,7 +3817,7 @@
           </p:nvCxnSpPr>
           <p:spPr>
             <a:xfrm flipV="1">
-              <a:off x="12553" y="6022"/>
+              <a:off x="12553" y="6327"/>
               <a:ext cx="0" cy="420"/>
             </a:xfrm>
             <a:prstGeom prst="line">
@@ -3847,7 +3850,7 @@
           </p:nvCxnSpPr>
           <p:spPr>
             <a:xfrm flipH="1" flipV="1">
-              <a:off x="12553" y="6022"/>
+              <a:off x="12553" y="6327"/>
               <a:ext cx="1227" cy="420"/>
             </a:xfrm>
             <a:prstGeom prst="line">
@@ -3880,7 +3883,7 @@
           </p:nvCxnSpPr>
           <p:spPr>
             <a:xfrm flipH="1" flipV="1">
-              <a:off x="12552" y="4887"/>
+              <a:off x="12552" y="5192"/>
               <a:ext cx="1" cy="397"/>
             </a:xfrm>
             <a:prstGeom prst="line">
@@ -3913,7 +3916,7 @@
           </p:nvCxnSpPr>
           <p:spPr>
             <a:xfrm flipH="1" flipV="1">
-              <a:off x="11360" y="4887"/>
+              <a:off x="11360" y="5192"/>
               <a:ext cx="1193" cy="397"/>
             </a:xfrm>
             <a:prstGeom prst="line">
@@ -3946,7 +3949,7 @@
           </p:nvCxnSpPr>
           <p:spPr>
             <a:xfrm flipH="1">
-              <a:off x="12553" y="4887"/>
+              <a:off x="12553" y="5192"/>
               <a:ext cx="1226" cy="397"/>
             </a:xfrm>
             <a:prstGeom prst="line">
@@ -3976,7 +3979,7 @@
           </p:nvSpPr>
           <p:spPr>
             <a:xfrm>
-              <a:off x="11718" y="3630"/>
+              <a:off x="11718" y="3935"/>
               <a:ext cx="1670" cy="432"/>
             </a:xfrm>
             <a:prstGeom prst="roundRect">
@@ -4022,7 +4025,7 @@
           </p:nvCxnSpPr>
           <p:spPr>
             <a:xfrm flipV="1">
-              <a:off x="9778" y="3846"/>
+              <a:off x="9778" y="4151"/>
               <a:ext cx="1940" cy="34"/>
             </a:xfrm>
             <a:prstGeom prst="line">
@@ -4058,7 +4061,7 @@
           </p:nvCxnSpPr>
           <p:spPr>
             <a:xfrm flipV="1">
-              <a:off x="12552" y="4062"/>
+              <a:off x="12552" y="4367"/>
               <a:ext cx="1" cy="393"/>
             </a:xfrm>
             <a:prstGeom prst="line">
@@ -4091,7 +4094,7 @@
           </p:nvCxnSpPr>
           <p:spPr>
             <a:xfrm flipV="1">
-              <a:off x="11360" y="4062"/>
+              <a:off x="11360" y="4367"/>
               <a:ext cx="1193" cy="393"/>
             </a:xfrm>
             <a:prstGeom prst="line">
@@ -4124,7 +4127,7 @@
           </p:nvCxnSpPr>
           <p:spPr>
             <a:xfrm flipH="1" flipV="1">
-              <a:off x="12553" y="4062"/>
+              <a:off x="12553" y="4367"/>
               <a:ext cx="1226" cy="393"/>
             </a:xfrm>
             <a:prstGeom prst="line">
@@ -4154,7 +4157,7 @@
           </p:nvSpPr>
           <p:spPr>
             <a:xfrm>
-              <a:off x="12103" y="2800"/>
+              <a:off x="12103" y="3105"/>
               <a:ext cx="901" cy="432"/>
             </a:xfrm>
             <a:prstGeom prst="roundRect">
@@ -4200,7 +4203,7 @@
           </p:nvCxnSpPr>
           <p:spPr>
             <a:xfrm flipV="1">
-              <a:off x="12553" y="3232"/>
+              <a:off x="12553" y="3537"/>
               <a:ext cx="1" cy="398"/>
             </a:xfrm>
             <a:prstGeom prst="line">
@@ -4230,7 +4233,7 @@
           </p:nvSpPr>
           <p:spPr>
             <a:xfrm>
-              <a:off x="10405" y="2502"/>
+              <a:off x="10405" y="2807"/>
               <a:ext cx="4224" cy="5186"/>
             </a:xfrm>
             <a:prstGeom prst="roundRect">
@@ -4278,7 +4281,7 @@
           </p:nvSpPr>
           <p:spPr>
             <a:xfrm>
-              <a:off x="11242" y="7031"/>
+              <a:off x="11242" y="7336"/>
               <a:ext cx="2623" cy="483"/>
             </a:xfrm>
             <a:prstGeom prst="rect">
@@ -4309,7 +4312,7 @@
           </p:nvCxnSpPr>
           <p:spPr>
             <a:xfrm flipV="1">
-              <a:off x="7907" y="5653"/>
+              <a:off x="7907" y="5958"/>
               <a:ext cx="3715" cy="11"/>
             </a:xfrm>
             <a:prstGeom prst="straightConnector1">
@@ -4334,6 +4337,4476 @@
             </a:fontRef>
           </p:style>
         </p:cxnSp>
+        <p:sp>
+          <p:nvSpPr>
+            <p:cNvPr id="4" name="Text Box 3"/>
+            <p:cNvSpPr txBox="1"/>
+            <p:nvPr/>
+          </p:nvSpPr>
+          <p:spPr>
+            <a:xfrm>
+              <a:off x="5694" y="8265"/>
+              <a:ext cx="6807" cy="434"/>
+            </a:xfrm>
+            <a:prstGeom prst="rect">
+              <a:avLst/>
+            </a:prstGeom>
+            <a:noFill/>
+          </p:spPr>
+          <p:txBody>
+            <a:bodyPr wrap="square" rtlCol="0">
+              <a:spAutoFit/>
+            </a:bodyPr>
+            <a:p>
+              <a:r>
+                <a:rPr lang="en-US" sz="1200"/>
+                <a:t>Figure 1: Hierarchical Sentence Encoder HUARN &amp; AHUARN</a:t>
+              </a:r>
+              <a:endParaRPr lang="en-US" sz="1200"/>
+            </a:p>
+          </p:txBody>
+        </p:sp>
+      </p:grpSp>
+      <p:cxnSp>
+        <p:nvCxnSpPr>
+          <p:cNvPr id="9" name="Straight Connector 8"/>
+          <p:cNvCxnSpPr>
+            <a:stCxn id="33" idx="3"/>
+            <a:endCxn id="36" idx="1"/>
+          </p:cNvCxnSpPr>
+          <p:nvPr/>
+        </p:nvCxnSpPr>
+        <p:spPr>
+          <a:xfrm>
+            <a:off x="3275965" y="3138805"/>
+            <a:ext cx="85090" cy="0"/>
+          </a:xfrm>
+          <a:prstGeom prst="line">
+            <a:avLst/>
+          </a:prstGeom>
+        </p:spPr>
+        <p:style>
+          <a:lnRef idx="1">
+            <a:schemeClr val="dk1"/>
+          </a:lnRef>
+          <a:fillRef idx="0">
+            <a:schemeClr val="dk1"/>
+          </a:fillRef>
+          <a:effectRef idx="0">
+            <a:schemeClr val="dk1"/>
+          </a:effectRef>
+          <a:fontRef idx="minor">
+            <a:schemeClr val="tx1"/>
+          </a:fontRef>
+        </p:style>
+      </p:cxnSp>
+      <p:cxnSp>
+        <p:nvCxnSpPr>
+          <p:cNvPr id="10" name="Straight Connector 9"/>
+          <p:cNvCxnSpPr>
+            <a:stCxn id="36" idx="3"/>
+            <a:endCxn id="37" idx="1"/>
+          </p:cNvCxnSpPr>
+          <p:nvPr/>
+        </p:nvCxnSpPr>
+        <p:spPr>
+          <a:xfrm>
+            <a:off x="4016375" y="3138805"/>
+            <a:ext cx="85725" cy="0"/>
+          </a:xfrm>
+          <a:prstGeom prst="line">
+            <a:avLst/>
+          </a:prstGeom>
+        </p:spPr>
+        <p:style>
+          <a:lnRef idx="1">
+            <a:schemeClr val="dk1"/>
+          </a:lnRef>
+          <a:fillRef idx="0">
+            <a:schemeClr val="dk1"/>
+          </a:fillRef>
+          <a:effectRef idx="0">
+            <a:schemeClr val="dk1"/>
+          </a:effectRef>
+          <a:fontRef idx="minor">
+            <a:schemeClr val="tx1"/>
+          </a:fontRef>
+        </p:style>
+      </p:cxnSp>
+      <p:cxnSp>
+        <p:nvCxnSpPr>
+          <p:cNvPr id="11" name="Straight Connector 10"/>
+          <p:cNvCxnSpPr>
+            <a:stCxn id="51" idx="3"/>
+            <a:endCxn id="52" idx="1"/>
+          </p:cNvCxnSpPr>
+          <p:nvPr/>
+        </p:nvCxnSpPr>
+        <p:spPr>
+          <a:xfrm>
+            <a:off x="7541260" y="3159760"/>
+            <a:ext cx="101600" cy="0"/>
+          </a:xfrm>
+          <a:prstGeom prst="line">
+            <a:avLst/>
+          </a:prstGeom>
+        </p:spPr>
+        <p:style>
+          <a:lnRef idx="1">
+            <a:schemeClr val="dk1"/>
+          </a:lnRef>
+          <a:fillRef idx="0">
+            <a:schemeClr val="dk1"/>
+          </a:fillRef>
+          <a:effectRef idx="0">
+            <a:schemeClr val="dk1"/>
+          </a:effectRef>
+          <a:fontRef idx="minor">
+            <a:schemeClr val="tx1"/>
+          </a:fontRef>
+        </p:style>
+      </p:cxnSp>
+      <p:cxnSp>
+        <p:nvCxnSpPr>
+          <p:cNvPr id="12" name="Straight Connector 11"/>
+          <p:cNvCxnSpPr>
+            <a:stCxn id="52" idx="3"/>
+            <a:endCxn id="53" idx="1"/>
+          </p:cNvCxnSpPr>
+          <p:nvPr/>
+        </p:nvCxnSpPr>
+        <p:spPr>
+          <a:xfrm>
+            <a:off x="8298180" y="3159760"/>
+            <a:ext cx="123825" cy="0"/>
+          </a:xfrm>
+          <a:prstGeom prst="line">
+            <a:avLst/>
+          </a:prstGeom>
+        </p:spPr>
+        <p:style>
+          <a:lnRef idx="1">
+            <a:schemeClr val="dk1"/>
+          </a:lnRef>
+          <a:fillRef idx="0">
+            <a:schemeClr val="dk1"/>
+          </a:fillRef>
+          <a:effectRef idx="0">
+            <a:schemeClr val="dk1"/>
+          </a:effectRef>
+          <a:fontRef idx="minor">
+            <a:schemeClr val="tx1"/>
+          </a:fontRef>
+        </p:style>
+      </p:cxnSp>
+    </p:spTree>
+  </p:cSld>
+  <p:clrMapOvr>
+    <a:masterClrMapping/>
+  </p:clrMapOvr>
+</p:sld>
+</file>
+
+<file path=ppt/slides/slide2.xml><?xml version="1.0" encoding="utf-8"?>
+<p:sld xmlns:a="http://schemas.openxmlformats.org/drawingml/2006/main" xmlns:r="http://schemas.openxmlformats.org/officeDocument/2006/relationships" xmlns:p="http://schemas.openxmlformats.org/presentationml/2006/main">
+  <p:cSld>
+    <p:spTree>
+      <p:nvGrpSpPr>
+        <p:cNvPr id="1" name=""/>
+        <p:cNvGrpSpPr/>
+        <p:nvPr/>
+      </p:nvGrpSpPr>
+      <p:grpSpPr/>
+      <p:grpSp>
+        <p:nvGrpSpPr>
+          <p:cNvPr id="83" name="Group 82"/>
+          <p:cNvGrpSpPr/>
+          <p:nvPr/>
+        </p:nvGrpSpPr>
+        <p:grpSpPr>
+          <a:xfrm>
+            <a:off x="1185545" y="1195070"/>
+            <a:ext cx="8123555" cy="3661410"/>
+            <a:chOff x="1867" y="1882"/>
+            <a:chExt cx="12793" cy="5766"/>
+          </a:xfrm>
+        </p:grpSpPr>
+        <p:sp>
+          <p:nvSpPr>
+            <p:cNvPr id="31" name="Rounded Rectangle 30"/>
+            <p:cNvSpPr/>
+            <p:nvPr/>
+          </p:nvSpPr>
+          <p:spPr>
+            <a:xfrm>
+              <a:off x="1867" y="2807"/>
+              <a:ext cx="6016" cy="3859"/>
+            </a:xfrm>
+            <a:prstGeom prst="roundRect">
+              <a:avLst/>
+            </a:prstGeom>
+            <a:noFill/>
+            <a:ln w="28575" cmpd="sng">
+              <a:solidFill>
+                <a:schemeClr val="accent1">
+                  <a:shade val="50000"/>
+                </a:schemeClr>
+              </a:solidFill>
+              <a:prstDash val="dash"/>
+            </a:ln>
+          </p:spPr>
+          <p:style>
+            <a:lnRef idx="2">
+              <a:schemeClr val="accent6"/>
+            </a:lnRef>
+            <a:fillRef idx="1">
+              <a:schemeClr val="lt1"/>
+            </a:fillRef>
+            <a:effectRef idx="0">
+              <a:schemeClr val="accent6"/>
+            </a:effectRef>
+            <a:fontRef idx="minor">
+              <a:schemeClr val="dk1"/>
+            </a:fontRef>
+          </p:style>
+          <p:txBody>
+            <a:bodyPr rtlCol="0" anchor="ctr"/>
+            <a:p>
+              <a:pPr algn="ctr"/>
+              <a:endParaRPr lang="en-US"/>
+            </a:p>
+          </p:txBody>
+        </p:sp>
+        <p:sp>
+          <p:nvSpPr>
+            <p:cNvPr id="5" name="Rounded Rectangle 4"/>
+            <p:cNvSpPr/>
+            <p:nvPr/>
+          </p:nvSpPr>
+          <p:spPr>
+            <a:xfrm>
+              <a:off x="3943" y="5430"/>
+              <a:ext cx="1032" cy="432"/>
+            </a:xfrm>
+            <a:prstGeom prst="roundRect">
+              <a:avLst/>
+            </a:prstGeom>
+          </p:spPr>
+          <p:style>
+            <a:lnRef idx="2">
+              <a:schemeClr val="accent1">
+                <a:shade val="50000"/>
+              </a:schemeClr>
+            </a:lnRef>
+            <a:fillRef idx="1">
+              <a:schemeClr val="accent1"/>
+            </a:fillRef>
+            <a:effectRef idx="0">
+              <a:schemeClr val="accent1"/>
+            </a:effectRef>
+            <a:fontRef idx="minor">
+              <a:schemeClr val="lt1"/>
+            </a:fontRef>
+          </p:style>
+          <p:txBody>
+            <a:bodyPr rtlCol="0" anchor="ctr"/>
+            <a:p>
+              <a:pPr algn="ctr"/>
+              <a:r>
+                <a:rPr lang="en-US" sz="1400"/>
+                <a:t>W</a:t>
+              </a:r>
+              <a:r>
+                <a:rPr lang="en-US" sz="1400" baseline="-25000"/>
+                <a:t>1</a:t>
+              </a:r>
+              <a:endParaRPr lang="en-US" sz="1400" baseline="-25000"/>
+            </a:p>
+          </p:txBody>
+        </p:sp>
+        <p:sp>
+          <p:nvSpPr>
+            <p:cNvPr id="23" name="Rounded Rectangle 22"/>
+            <p:cNvSpPr/>
+            <p:nvPr/>
+          </p:nvSpPr>
+          <p:spPr>
+            <a:xfrm>
+              <a:off x="5211" y="3173"/>
+              <a:ext cx="1198" cy="432"/>
+            </a:xfrm>
+            <a:prstGeom prst="roundRect">
+              <a:avLst/>
+            </a:prstGeom>
+          </p:spPr>
+          <p:style>
+            <a:lnRef idx="2">
+              <a:schemeClr val="accent6">
+                <a:shade val="50000"/>
+              </a:schemeClr>
+            </a:lnRef>
+            <a:fillRef idx="1">
+              <a:schemeClr val="accent6"/>
+            </a:fillRef>
+            <a:effectRef idx="0">
+              <a:schemeClr val="accent6"/>
+            </a:effectRef>
+            <a:fontRef idx="minor">
+              <a:schemeClr val="lt1"/>
+            </a:fontRef>
+          </p:style>
+          <p:txBody>
+            <a:bodyPr rtlCol="0" anchor="ctr"/>
+            <a:p>
+              <a:pPr algn="ctr"/>
+              <a:r>
+                <a:rPr lang="en-US" sz="1400"/>
+                <a:t>S</a:t>
+              </a:r>
+              <a:r>
+                <a:rPr lang="en-US" sz="1400" baseline="-25000"/>
+                <a:t>Aspect</a:t>
+              </a:r>
+              <a:endParaRPr lang="en-US" sz="1400" baseline="-25000"/>
+            </a:p>
+          </p:txBody>
+        </p:sp>
+        <p:sp>
+          <p:nvSpPr>
+            <p:cNvPr id="26" name="Rounded Rectangle 25"/>
+            <p:cNvSpPr/>
+            <p:nvPr/>
+          </p:nvSpPr>
+          <p:spPr>
+            <a:xfrm>
+              <a:off x="4974" y="3969"/>
+              <a:ext cx="1670" cy="432"/>
+            </a:xfrm>
+            <a:prstGeom prst="roundRect">
+              <a:avLst/>
+            </a:prstGeom>
+          </p:spPr>
+          <p:style>
+            <a:lnRef idx="2">
+              <a:schemeClr val="accent2">
+                <a:shade val="50000"/>
+              </a:schemeClr>
+            </a:lnRef>
+            <a:fillRef idx="1">
+              <a:schemeClr val="accent2"/>
+            </a:fillRef>
+            <a:effectRef idx="0">
+              <a:schemeClr val="accent2"/>
+            </a:effectRef>
+            <a:fontRef idx="minor">
+              <a:schemeClr val="lt1"/>
+            </a:fontRef>
+          </p:style>
+          <p:txBody>
+            <a:bodyPr rtlCol="0" anchor="ctr"/>
+            <a:p>
+              <a:pPr algn="ctr"/>
+              <a:r>
+                <a:rPr lang="en-US" sz="1400"/>
+                <a:t>Attention</a:t>
+              </a:r>
+              <a:endParaRPr lang="en-US" sz="1400" baseline="-25000"/>
+            </a:p>
+          </p:txBody>
+        </p:sp>
+        <p:cxnSp>
+          <p:nvCxnSpPr>
+            <p:cNvPr id="30" name="Straight Connector 29"/>
+            <p:cNvCxnSpPr>
+              <a:stCxn id="26" idx="0"/>
+              <a:endCxn id="23" idx="2"/>
+            </p:cNvCxnSpPr>
+            <p:nvPr/>
+          </p:nvCxnSpPr>
+          <p:spPr>
+            <a:xfrm flipV="1">
+              <a:off x="5809" y="3605"/>
+              <a:ext cx="1" cy="364"/>
+            </a:xfrm>
+            <a:prstGeom prst="line">
+              <a:avLst/>
+            </a:prstGeom>
+          </p:spPr>
+          <p:style>
+            <a:lnRef idx="1">
+              <a:schemeClr val="dk1"/>
+            </a:lnRef>
+            <a:fillRef idx="0">
+              <a:schemeClr val="dk1"/>
+            </a:fillRef>
+            <a:effectRef idx="0">
+              <a:schemeClr val="dk1"/>
+            </a:effectRef>
+            <a:fontRef idx="minor">
+              <a:schemeClr val="tx1"/>
+            </a:fontRef>
+          </p:style>
+        </p:cxnSp>
+        <p:sp>
+          <p:nvSpPr>
+            <p:cNvPr id="32" name="Text Box 31"/>
+            <p:cNvSpPr txBox="1"/>
+            <p:nvPr/>
+          </p:nvSpPr>
+          <p:spPr>
+            <a:xfrm>
+              <a:off x="4416" y="6054"/>
+              <a:ext cx="2784" cy="483"/>
+            </a:xfrm>
+            <a:prstGeom prst="rect">
+              <a:avLst/>
+            </a:prstGeom>
+            <a:noFill/>
+          </p:spPr>
+          <p:txBody>
+            <a:bodyPr wrap="square" rtlCol="0">
+              <a:spAutoFit/>
+            </a:bodyPr>
+            <a:p>
+              <a:r>
+                <a:rPr lang="en-US" sz="1400"/>
+                <a:t>Sentence Encoder</a:t>
+              </a:r>
+              <a:endParaRPr lang="en-US" sz="1400"/>
+            </a:p>
+          </p:txBody>
+        </p:sp>
+        <p:sp>
+          <p:nvSpPr>
+            <p:cNvPr id="33" name="Rounded Rectangle 32"/>
+            <p:cNvSpPr/>
+            <p:nvPr/>
+          </p:nvSpPr>
+          <p:spPr>
+            <a:xfrm>
+              <a:off x="3858" y="4727"/>
+              <a:ext cx="1201" cy="432"/>
+            </a:xfrm>
+            <a:prstGeom prst="roundRect">
+              <a:avLst/>
+            </a:prstGeom>
+          </p:spPr>
+          <p:style>
+            <a:lnRef idx="2">
+              <a:schemeClr val="accent1">
+                <a:shade val="50000"/>
+              </a:schemeClr>
+            </a:lnRef>
+            <a:fillRef idx="1">
+              <a:schemeClr val="accent1"/>
+            </a:fillRef>
+            <a:effectRef idx="0">
+              <a:schemeClr val="accent1"/>
+            </a:effectRef>
+            <a:fontRef idx="minor">
+              <a:schemeClr val="lt1"/>
+            </a:fontRef>
+          </p:style>
+          <p:txBody>
+            <a:bodyPr rtlCol="0" anchor="ctr"/>
+            <a:p>
+              <a:pPr algn="ctr"/>
+              <a:r>
+                <a:rPr lang="en-US" sz="1400"/>
+                <a:t>LSTM</a:t>
+              </a:r>
+              <a:endParaRPr lang="en-US" sz="1400" baseline="-25000"/>
+            </a:p>
+          </p:txBody>
+        </p:sp>
+        <p:cxnSp>
+          <p:nvCxnSpPr>
+            <p:cNvPr id="39" name="Straight Connector 38"/>
+            <p:cNvCxnSpPr>
+              <a:stCxn id="33" idx="0"/>
+              <a:endCxn id="26" idx="2"/>
+            </p:cNvCxnSpPr>
+            <p:nvPr/>
+          </p:nvCxnSpPr>
+          <p:spPr>
+            <a:xfrm flipV="1">
+              <a:off x="4459" y="4401"/>
+              <a:ext cx="1350" cy="326"/>
+            </a:xfrm>
+            <a:prstGeom prst="line">
+              <a:avLst/>
+            </a:prstGeom>
+          </p:spPr>
+          <p:style>
+            <a:lnRef idx="1">
+              <a:schemeClr val="dk1"/>
+            </a:lnRef>
+            <a:fillRef idx="0">
+              <a:schemeClr val="dk1"/>
+            </a:fillRef>
+            <a:effectRef idx="0">
+              <a:schemeClr val="dk1"/>
+            </a:effectRef>
+            <a:fontRef idx="minor">
+              <a:schemeClr val="tx1"/>
+            </a:fontRef>
+          </p:style>
+        </p:cxnSp>
+        <p:cxnSp>
+          <p:nvCxnSpPr>
+            <p:cNvPr id="41" name="Straight Connector 40"/>
+            <p:cNvCxnSpPr>
+              <a:stCxn id="26" idx="2"/>
+              <a:endCxn id="11" idx="0"/>
+            </p:cNvCxnSpPr>
+            <p:nvPr/>
+          </p:nvCxnSpPr>
+          <p:spPr>
+            <a:xfrm>
+              <a:off x="5809" y="4401"/>
+              <a:ext cx="1350" cy="326"/>
+            </a:xfrm>
+            <a:prstGeom prst="line">
+              <a:avLst/>
+            </a:prstGeom>
+          </p:spPr>
+          <p:style>
+            <a:lnRef idx="1">
+              <a:schemeClr val="dk1"/>
+            </a:lnRef>
+            <a:fillRef idx="0">
+              <a:schemeClr val="dk1"/>
+            </a:fillRef>
+            <a:effectRef idx="0">
+              <a:schemeClr val="dk1"/>
+            </a:effectRef>
+            <a:fontRef idx="minor">
+              <a:schemeClr val="tx1"/>
+            </a:fontRef>
+          </p:style>
+        </p:cxnSp>
+        <p:cxnSp>
+          <p:nvCxnSpPr>
+            <p:cNvPr id="42" name="Straight Connector 41"/>
+            <p:cNvCxnSpPr>
+              <a:stCxn id="26" idx="2"/>
+              <a:endCxn id="36" idx="0"/>
+            </p:cNvCxnSpPr>
+            <p:nvPr/>
+          </p:nvCxnSpPr>
+          <p:spPr>
+            <a:xfrm>
+              <a:off x="5809" y="4401"/>
+              <a:ext cx="0" cy="326"/>
+            </a:xfrm>
+            <a:prstGeom prst="line">
+              <a:avLst/>
+            </a:prstGeom>
+          </p:spPr>
+          <p:style>
+            <a:lnRef idx="1">
+              <a:schemeClr val="dk1"/>
+            </a:lnRef>
+            <a:fillRef idx="0">
+              <a:schemeClr val="dk1"/>
+            </a:fillRef>
+            <a:effectRef idx="0">
+              <a:schemeClr val="dk1"/>
+            </a:effectRef>
+            <a:fontRef idx="minor">
+              <a:schemeClr val="tx1"/>
+            </a:fontRef>
+          </p:style>
+        </p:cxnSp>
+        <p:cxnSp>
+          <p:nvCxnSpPr>
+            <p:cNvPr id="45" name="Straight Connector 44"/>
+            <p:cNvCxnSpPr>
+              <a:stCxn id="33" idx="2"/>
+              <a:endCxn id="5" idx="0"/>
+            </p:cNvCxnSpPr>
+            <p:nvPr/>
+          </p:nvCxnSpPr>
+          <p:spPr>
+            <a:xfrm>
+              <a:off x="4449" y="5159"/>
+              <a:ext cx="0" cy="271"/>
+            </a:xfrm>
+            <a:prstGeom prst="line">
+              <a:avLst/>
+            </a:prstGeom>
+          </p:spPr>
+          <p:style>
+            <a:lnRef idx="1">
+              <a:schemeClr val="dk1"/>
+            </a:lnRef>
+            <a:fillRef idx="0">
+              <a:schemeClr val="dk1"/>
+            </a:fillRef>
+            <a:effectRef idx="0">
+              <a:schemeClr val="dk1"/>
+            </a:effectRef>
+            <a:fontRef idx="minor">
+              <a:schemeClr val="tx1"/>
+            </a:fontRef>
+          </p:style>
+        </p:cxnSp>
+        <p:sp>
+          <p:nvSpPr>
+            <p:cNvPr id="47" name="Rounded Rectangle 46"/>
+            <p:cNvSpPr/>
+            <p:nvPr/>
+          </p:nvSpPr>
+          <p:spPr>
+            <a:xfrm>
+              <a:off x="9914" y="3969"/>
+              <a:ext cx="1322" cy="432"/>
+            </a:xfrm>
+            <a:prstGeom prst="roundRect">
+              <a:avLst/>
+            </a:prstGeom>
+          </p:spPr>
+          <p:style>
+            <a:lnRef idx="2">
+              <a:schemeClr val="accent5">
+                <a:shade val="50000"/>
+              </a:schemeClr>
+            </a:lnRef>
+            <a:fillRef idx="1">
+              <a:schemeClr val="accent5"/>
+            </a:fillRef>
+            <a:effectRef idx="0">
+              <a:schemeClr val="accent5"/>
+            </a:effectRef>
+            <a:fontRef idx="minor">
+              <a:schemeClr val="lt1"/>
+            </a:fontRef>
+          </p:style>
+          <p:txBody>
+            <a:bodyPr rtlCol="0" anchor="ctr"/>
+            <a:p>
+              <a:pPr algn="ctr"/>
+              <a:r>
+                <a:rPr lang="en-US" sz="1400"/>
+                <a:t>Aspect</a:t>
+              </a:r>
+              <a:endParaRPr lang="en-US" sz="1400" baseline="-25000"/>
+            </a:p>
+          </p:txBody>
+        </p:sp>
+        <p:sp>
+          <p:nvSpPr>
+            <p:cNvPr id="50" name="Text Box 49"/>
+            <p:cNvSpPr txBox="1"/>
+            <p:nvPr/>
+          </p:nvSpPr>
+          <p:spPr>
+            <a:xfrm>
+              <a:off x="8344" y="4932"/>
+              <a:ext cx="1852" cy="725"/>
+            </a:xfrm>
+            <a:prstGeom prst="rect">
+              <a:avLst/>
+            </a:prstGeom>
+            <a:noFill/>
+          </p:spPr>
+          <p:txBody>
+            <a:bodyPr wrap="square" rtlCol="0">
+              <a:spAutoFit/>
+            </a:bodyPr>
+            <a:p>
+              <a:r>
+                <a:rPr lang="en-US" sz="1200"/>
+                <a:t>For Sentiment Classification</a:t>
+              </a:r>
+              <a:endParaRPr lang="en-US" sz="1200"/>
+            </a:p>
+          </p:txBody>
+        </p:sp>
+        <p:sp>
+          <p:nvSpPr>
+            <p:cNvPr id="4" name="Text Box 3"/>
+            <p:cNvSpPr txBox="1"/>
+            <p:nvPr/>
+          </p:nvSpPr>
+          <p:spPr>
+            <a:xfrm>
+              <a:off x="3731" y="7214"/>
+              <a:ext cx="8725" cy="434"/>
+            </a:xfrm>
+            <a:prstGeom prst="rect">
+              <a:avLst/>
+            </a:prstGeom>
+            <a:noFill/>
+          </p:spPr>
+          <p:txBody>
+            <a:bodyPr wrap="square" rtlCol="0">
+              <a:spAutoFit/>
+            </a:bodyPr>
+            <a:p>
+              <a:r>
+                <a:rPr lang="en-US" sz="1200"/>
+                <a:t>Figure 2: Word Encoder for Aspect Classification and Sentiment Classification</a:t>
+              </a:r>
+              <a:endParaRPr lang="en-US" sz="1200"/>
+            </a:p>
+          </p:txBody>
+        </p:sp>
+        <p:sp>
+          <p:nvSpPr>
+            <p:cNvPr id="2" name="Rounded Rectangle 1"/>
+            <p:cNvSpPr/>
+            <p:nvPr/>
+          </p:nvSpPr>
+          <p:spPr>
+            <a:xfrm>
+              <a:off x="5293" y="5430"/>
+              <a:ext cx="1032" cy="432"/>
+            </a:xfrm>
+            <a:prstGeom prst="roundRect">
+              <a:avLst/>
+            </a:prstGeom>
+          </p:spPr>
+          <p:style>
+            <a:lnRef idx="2">
+              <a:schemeClr val="accent1">
+                <a:shade val="50000"/>
+              </a:schemeClr>
+            </a:lnRef>
+            <a:fillRef idx="1">
+              <a:schemeClr val="accent1"/>
+            </a:fillRef>
+            <a:effectRef idx="0">
+              <a:schemeClr val="accent1"/>
+            </a:effectRef>
+            <a:fontRef idx="minor">
+              <a:schemeClr val="lt1"/>
+            </a:fontRef>
+          </p:style>
+          <p:txBody>
+            <a:bodyPr rtlCol="0" anchor="ctr"/>
+            <a:p>
+              <a:pPr algn="ctr"/>
+              <a:r>
+                <a:rPr lang="en-US" sz="1400"/>
+                <a:t>W</a:t>
+              </a:r>
+              <a:r>
+                <a:rPr lang="en-US" sz="1400" baseline="-25000"/>
+                <a:t>2</a:t>
+              </a:r>
+              <a:endParaRPr lang="en-US" sz="1400" baseline="-25000"/>
+            </a:p>
+          </p:txBody>
+        </p:sp>
+        <p:sp>
+          <p:nvSpPr>
+            <p:cNvPr id="3" name="Rounded Rectangle 2"/>
+            <p:cNvSpPr/>
+            <p:nvPr/>
+          </p:nvSpPr>
+          <p:spPr>
+            <a:xfrm>
+              <a:off x="5208" y="4727"/>
+              <a:ext cx="1201" cy="432"/>
+            </a:xfrm>
+            <a:prstGeom prst="roundRect">
+              <a:avLst/>
+            </a:prstGeom>
+          </p:spPr>
+          <p:style>
+            <a:lnRef idx="2">
+              <a:schemeClr val="accent1">
+                <a:shade val="50000"/>
+              </a:schemeClr>
+            </a:lnRef>
+            <a:fillRef idx="1">
+              <a:schemeClr val="accent1"/>
+            </a:fillRef>
+            <a:effectRef idx="0">
+              <a:schemeClr val="accent1"/>
+            </a:effectRef>
+            <a:fontRef idx="minor">
+              <a:schemeClr val="lt1"/>
+            </a:fontRef>
+          </p:style>
+          <p:txBody>
+            <a:bodyPr rtlCol="0" anchor="ctr"/>
+            <a:p>
+              <a:pPr algn="ctr"/>
+              <a:r>
+                <a:rPr lang="en-US" sz="1400"/>
+                <a:t>LSTM</a:t>
+              </a:r>
+              <a:endParaRPr lang="en-US" sz="1400" baseline="-25000"/>
+            </a:p>
+          </p:txBody>
+        </p:sp>
+        <p:cxnSp>
+          <p:nvCxnSpPr>
+            <p:cNvPr id="9" name="Straight Connector 8"/>
+            <p:cNvCxnSpPr>
+              <a:stCxn id="3" idx="2"/>
+              <a:endCxn id="2" idx="0"/>
+            </p:cNvCxnSpPr>
+            <p:nvPr/>
+          </p:nvCxnSpPr>
+          <p:spPr>
+            <a:xfrm>
+              <a:off x="5809" y="5159"/>
+              <a:ext cx="0" cy="271"/>
+            </a:xfrm>
+            <a:prstGeom prst="line">
+              <a:avLst/>
+            </a:prstGeom>
+          </p:spPr>
+          <p:style>
+            <a:lnRef idx="1">
+              <a:schemeClr val="dk1"/>
+            </a:lnRef>
+            <a:fillRef idx="0">
+              <a:schemeClr val="dk1"/>
+            </a:fillRef>
+            <a:effectRef idx="0">
+              <a:schemeClr val="dk1"/>
+            </a:effectRef>
+            <a:fontRef idx="minor">
+              <a:schemeClr val="tx1"/>
+            </a:fontRef>
+          </p:style>
+        </p:cxnSp>
+        <p:sp>
+          <p:nvSpPr>
+            <p:cNvPr id="10" name="Rounded Rectangle 9"/>
+            <p:cNvSpPr/>
+            <p:nvPr/>
+          </p:nvSpPr>
+          <p:spPr>
+            <a:xfrm>
+              <a:off x="6643" y="5430"/>
+              <a:ext cx="1032" cy="432"/>
+            </a:xfrm>
+            <a:prstGeom prst="roundRect">
+              <a:avLst/>
+            </a:prstGeom>
+          </p:spPr>
+          <p:style>
+            <a:lnRef idx="2">
+              <a:schemeClr val="accent1">
+                <a:shade val="50000"/>
+              </a:schemeClr>
+            </a:lnRef>
+            <a:fillRef idx="1">
+              <a:schemeClr val="accent1"/>
+            </a:fillRef>
+            <a:effectRef idx="0">
+              <a:schemeClr val="accent1"/>
+            </a:effectRef>
+            <a:fontRef idx="minor">
+              <a:schemeClr val="lt1"/>
+            </a:fontRef>
+          </p:style>
+          <p:txBody>
+            <a:bodyPr rtlCol="0" anchor="ctr"/>
+            <a:p>
+              <a:pPr algn="ctr"/>
+              <a:r>
+                <a:rPr lang="en-US" sz="1400"/>
+                <a:t>W</a:t>
+              </a:r>
+              <a:r>
+                <a:rPr lang="en-US" sz="1400" baseline="-25000"/>
+                <a:t>3</a:t>
+              </a:r>
+              <a:endParaRPr lang="en-US" sz="1400" baseline="-25000"/>
+            </a:p>
+          </p:txBody>
+        </p:sp>
+        <p:sp>
+          <p:nvSpPr>
+            <p:cNvPr id="11" name="Rounded Rectangle 10"/>
+            <p:cNvSpPr/>
+            <p:nvPr/>
+          </p:nvSpPr>
+          <p:spPr>
+            <a:xfrm>
+              <a:off x="6558" y="4727"/>
+              <a:ext cx="1201" cy="432"/>
+            </a:xfrm>
+            <a:prstGeom prst="roundRect">
+              <a:avLst/>
+            </a:prstGeom>
+          </p:spPr>
+          <p:style>
+            <a:lnRef idx="2">
+              <a:schemeClr val="accent1">
+                <a:shade val="50000"/>
+              </a:schemeClr>
+            </a:lnRef>
+            <a:fillRef idx="1">
+              <a:schemeClr val="accent1"/>
+            </a:fillRef>
+            <a:effectRef idx="0">
+              <a:schemeClr val="accent1"/>
+            </a:effectRef>
+            <a:fontRef idx="minor">
+              <a:schemeClr val="lt1"/>
+            </a:fontRef>
+          </p:style>
+          <p:txBody>
+            <a:bodyPr rtlCol="0" anchor="ctr"/>
+            <a:p>
+              <a:pPr algn="ctr"/>
+              <a:r>
+                <a:rPr lang="en-US" sz="1400"/>
+                <a:t>LSTM</a:t>
+              </a:r>
+              <a:endParaRPr lang="en-US" sz="1400" baseline="-25000"/>
+            </a:p>
+          </p:txBody>
+        </p:sp>
+        <p:cxnSp>
+          <p:nvCxnSpPr>
+            <p:cNvPr id="12" name="Straight Connector 11"/>
+            <p:cNvCxnSpPr>
+              <a:stCxn id="11" idx="2"/>
+              <a:endCxn id="10" idx="0"/>
+            </p:cNvCxnSpPr>
+            <p:nvPr/>
+          </p:nvCxnSpPr>
+          <p:spPr>
+            <a:xfrm>
+              <a:off x="7159" y="5159"/>
+              <a:ext cx="0" cy="271"/>
+            </a:xfrm>
+            <a:prstGeom prst="line">
+              <a:avLst/>
+            </a:prstGeom>
+          </p:spPr>
+          <p:style>
+            <a:lnRef idx="1">
+              <a:schemeClr val="dk1"/>
+            </a:lnRef>
+            <a:fillRef idx="0">
+              <a:schemeClr val="dk1"/>
+            </a:fillRef>
+            <a:effectRef idx="0">
+              <a:schemeClr val="dk1"/>
+            </a:effectRef>
+            <a:fontRef idx="minor">
+              <a:schemeClr val="tx1"/>
+            </a:fontRef>
+          </p:style>
+        </p:cxnSp>
+        <p:sp>
+          <p:nvSpPr>
+            <p:cNvPr id="13" name="Rounded Rectangle 12"/>
+            <p:cNvSpPr/>
+            <p:nvPr/>
+          </p:nvSpPr>
+          <p:spPr>
+            <a:xfrm>
+              <a:off x="8210" y="1882"/>
+              <a:ext cx="6450" cy="4784"/>
+            </a:xfrm>
+            <a:prstGeom prst="roundRect">
+              <a:avLst/>
+            </a:prstGeom>
+            <a:noFill/>
+            <a:ln w="28575" cmpd="sng">
+              <a:solidFill>
+                <a:schemeClr val="accent1">
+                  <a:shade val="50000"/>
+                </a:schemeClr>
+              </a:solidFill>
+              <a:prstDash val="dash"/>
+            </a:ln>
+          </p:spPr>
+          <p:style>
+            <a:lnRef idx="2">
+              <a:schemeClr val="accent6"/>
+            </a:lnRef>
+            <a:fillRef idx="1">
+              <a:schemeClr val="lt1"/>
+            </a:fillRef>
+            <a:effectRef idx="0">
+              <a:schemeClr val="accent6"/>
+            </a:effectRef>
+            <a:fontRef idx="minor">
+              <a:schemeClr val="dk1"/>
+            </a:fontRef>
+          </p:style>
+          <p:txBody>
+            <a:bodyPr rtlCol="0" anchor="ctr"/>
+            <a:p>
+              <a:pPr algn="ctr"/>
+              <a:endParaRPr lang="en-US"/>
+            </a:p>
+          </p:txBody>
+        </p:sp>
+        <p:sp>
+          <p:nvSpPr>
+            <p:cNvPr id="14" name="Rounded Rectangle 13"/>
+            <p:cNvSpPr/>
+            <p:nvPr/>
+          </p:nvSpPr>
+          <p:spPr>
+            <a:xfrm>
+              <a:off x="10720" y="5430"/>
+              <a:ext cx="1032" cy="432"/>
+            </a:xfrm>
+            <a:prstGeom prst="roundRect">
+              <a:avLst/>
+            </a:prstGeom>
+          </p:spPr>
+          <p:style>
+            <a:lnRef idx="2">
+              <a:schemeClr val="accent1">
+                <a:shade val="50000"/>
+              </a:schemeClr>
+            </a:lnRef>
+            <a:fillRef idx="1">
+              <a:schemeClr val="accent1"/>
+            </a:fillRef>
+            <a:effectRef idx="0">
+              <a:schemeClr val="accent1"/>
+            </a:effectRef>
+            <a:fontRef idx="minor">
+              <a:schemeClr val="lt1"/>
+            </a:fontRef>
+          </p:style>
+          <p:txBody>
+            <a:bodyPr rtlCol="0" anchor="ctr"/>
+            <a:p>
+              <a:pPr algn="ctr"/>
+              <a:r>
+                <a:rPr lang="en-US" sz="1400"/>
+                <a:t>W</a:t>
+              </a:r>
+              <a:r>
+                <a:rPr lang="en-US" sz="1400" baseline="-25000"/>
+                <a:t>1</a:t>
+              </a:r>
+              <a:endParaRPr lang="en-US" sz="1400" baseline="-25000"/>
+            </a:p>
+          </p:txBody>
+        </p:sp>
+        <p:sp>
+          <p:nvSpPr>
+            <p:cNvPr id="15" name="Rounded Rectangle 14"/>
+            <p:cNvSpPr/>
+            <p:nvPr/>
+          </p:nvSpPr>
+          <p:spPr>
+            <a:xfrm>
+              <a:off x="11986" y="3173"/>
+              <a:ext cx="1200" cy="432"/>
+            </a:xfrm>
+            <a:prstGeom prst="roundRect">
+              <a:avLst/>
+            </a:prstGeom>
+          </p:spPr>
+          <p:style>
+            <a:lnRef idx="2">
+              <a:schemeClr val="accent6">
+                <a:shade val="50000"/>
+              </a:schemeClr>
+            </a:lnRef>
+            <a:fillRef idx="1">
+              <a:schemeClr val="accent6"/>
+            </a:fillRef>
+            <a:effectRef idx="0">
+              <a:schemeClr val="accent6"/>
+            </a:effectRef>
+            <a:fontRef idx="minor">
+              <a:schemeClr val="lt1"/>
+            </a:fontRef>
+          </p:style>
+          <p:txBody>
+            <a:bodyPr rtlCol="0" anchor="ctr"/>
+            <a:p>
+              <a:pPr algn="ctr"/>
+              <a:r>
+                <a:rPr lang="en-US" sz="1400"/>
+                <a:t>S</a:t>
+              </a:r>
+              <a:r>
+                <a:rPr lang="en-US" sz="1400" baseline="-25000"/>
+                <a:t>Senti</a:t>
+              </a:r>
+              <a:endParaRPr lang="en-US" sz="1400" baseline="-25000"/>
+            </a:p>
+          </p:txBody>
+        </p:sp>
+        <p:sp>
+          <p:nvSpPr>
+            <p:cNvPr id="16" name="Rounded Rectangle 15"/>
+            <p:cNvSpPr/>
+            <p:nvPr/>
+          </p:nvSpPr>
+          <p:spPr>
+            <a:xfrm>
+              <a:off x="11751" y="3969"/>
+              <a:ext cx="1670" cy="432"/>
+            </a:xfrm>
+            <a:prstGeom prst="roundRect">
+              <a:avLst/>
+            </a:prstGeom>
+          </p:spPr>
+          <p:style>
+            <a:lnRef idx="2">
+              <a:schemeClr val="accent2">
+                <a:shade val="50000"/>
+              </a:schemeClr>
+            </a:lnRef>
+            <a:fillRef idx="1">
+              <a:schemeClr val="accent2"/>
+            </a:fillRef>
+            <a:effectRef idx="0">
+              <a:schemeClr val="accent2"/>
+            </a:effectRef>
+            <a:fontRef idx="minor">
+              <a:schemeClr val="lt1"/>
+            </a:fontRef>
+          </p:style>
+          <p:txBody>
+            <a:bodyPr rtlCol="0" anchor="ctr"/>
+            <a:p>
+              <a:pPr algn="ctr"/>
+              <a:r>
+                <a:rPr lang="en-US" sz="1400"/>
+                <a:t>Attention</a:t>
+              </a:r>
+              <a:endParaRPr lang="en-US" sz="1400" baseline="-25000"/>
+            </a:p>
+          </p:txBody>
+        </p:sp>
+        <p:cxnSp>
+          <p:nvCxnSpPr>
+            <p:cNvPr id="17" name="Straight Connector 16"/>
+            <p:cNvCxnSpPr>
+              <a:stCxn id="16" idx="0"/>
+              <a:endCxn id="15" idx="2"/>
+            </p:cNvCxnSpPr>
+            <p:nvPr/>
+          </p:nvCxnSpPr>
+          <p:spPr>
+            <a:xfrm flipV="1">
+              <a:off x="12586" y="3605"/>
+              <a:ext cx="0" cy="364"/>
+            </a:xfrm>
+            <a:prstGeom prst="line">
+              <a:avLst/>
+            </a:prstGeom>
+          </p:spPr>
+          <p:style>
+            <a:lnRef idx="1">
+              <a:schemeClr val="dk1"/>
+            </a:lnRef>
+            <a:fillRef idx="0">
+              <a:schemeClr val="dk1"/>
+            </a:fillRef>
+            <a:effectRef idx="0">
+              <a:schemeClr val="dk1"/>
+            </a:effectRef>
+            <a:fontRef idx="minor">
+              <a:schemeClr val="tx1"/>
+            </a:fontRef>
+          </p:style>
+        </p:cxnSp>
+        <p:sp>
+          <p:nvSpPr>
+            <p:cNvPr id="18" name="Text Box 17"/>
+            <p:cNvSpPr txBox="1"/>
+            <p:nvPr/>
+          </p:nvSpPr>
+          <p:spPr>
+            <a:xfrm>
+              <a:off x="11193" y="6054"/>
+              <a:ext cx="2784" cy="483"/>
+            </a:xfrm>
+            <a:prstGeom prst="rect">
+              <a:avLst/>
+            </a:prstGeom>
+            <a:noFill/>
+          </p:spPr>
+          <p:txBody>
+            <a:bodyPr wrap="square" rtlCol="0">
+              <a:spAutoFit/>
+            </a:bodyPr>
+            <a:p>
+              <a:r>
+                <a:rPr lang="en-US" sz="1400"/>
+                <a:t>Sentence Encoder</a:t>
+              </a:r>
+              <a:endParaRPr lang="en-US" sz="1400"/>
+            </a:p>
+          </p:txBody>
+        </p:sp>
+        <p:sp>
+          <p:nvSpPr>
+            <p:cNvPr id="19" name="Rounded Rectangle 18"/>
+            <p:cNvSpPr/>
+            <p:nvPr/>
+          </p:nvSpPr>
+          <p:spPr>
+            <a:xfrm>
+              <a:off x="10635" y="4727"/>
+              <a:ext cx="1201" cy="432"/>
+            </a:xfrm>
+            <a:prstGeom prst="roundRect">
+              <a:avLst/>
+            </a:prstGeom>
+          </p:spPr>
+          <p:style>
+            <a:lnRef idx="2">
+              <a:schemeClr val="accent1">
+                <a:shade val="50000"/>
+              </a:schemeClr>
+            </a:lnRef>
+            <a:fillRef idx="1">
+              <a:schemeClr val="accent1"/>
+            </a:fillRef>
+            <a:effectRef idx="0">
+              <a:schemeClr val="accent1"/>
+            </a:effectRef>
+            <a:fontRef idx="minor">
+              <a:schemeClr val="lt1"/>
+            </a:fontRef>
+          </p:style>
+          <p:txBody>
+            <a:bodyPr rtlCol="0" anchor="ctr"/>
+            <a:p>
+              <a:pPr algn="ctr"/>
+              <a:r>
+                <a:rPr lang="en-US" sz="1400"/>
+                <a:t>LSTM</a:t>
+              </a:r>
+              <a:endParaRPr lang="en-US" sz="1400" baseline="-25000"/>
+            </a:p>
+          </p:txBody>
+        </p:sp>
+        <p:cxnSp>
+          <p:nvCxnSpPr>
+            <p:cNvPr id="20" name="Straight Connector 19"/>
+            <p:cNvCxnSpPr>
+              <a:stCxn id="19" idx="0"/>
+              <a:endCxn id="16" idx="2"/>
+            </p:cNvCxnSpPr>
+            <p:nvPr/>
+          </p:nvCxnSpPr>
+          <p:spPr>
+            <a:xfrm flipV="1">
+              <a:off x="11236" y="4401"/>
+              <a:ext cx="1350" cy="326"/>
+            </a:xfrm>
+            <a:prstGeom prst="line">
+              <a:avLst/>
+            </a:prstGeom>
+          </p:spPr>
+          <p:style>
+            <a:lnRef idx="1">
+              <a:schemeClr val="dk1"/>
+            </a:lnRef>
+            <a:fillRef idx="0">
+              <a:schemeClr val="dk1"/>
+            </a:fillRef>
+            <a:effectRef idx="0">
+              <a:schemeClr val="dk1"/>
+            </a:effectRef>
+            <a:fontRef idx="minor">
+              <a:schemeClr val="tx1"/>
+            </a:fontRef>
+          </p:style>
+        </p:cxnSp>
+        <p:cxnSp>
+          <p:nvCxnSpPr>
+            <p:cNvPr id="21" name="Straight Connector 20"/>
+            <p:cNvCxnSpPr>
+              <a:stCxn id="16" idx="2"/>
+              <a:endCxn id="34" idx="0"/>
+            </p:cNvCxnSpPr>
+            <p:nvPr/>
+          </p:nvCxnSpPr>
+          <p:spPr>
+            <a:xfrm>
+              <a:off x="12586" y="4401"/>
+              <a:ext cx="1350" cy="326"/>
+            </a:xfrm>
+            <a:prstGeom prst="line">
+              <a:avLst/>
+            </a:prstGeom>
+          </p:spPr>
+          <p:style>
+            <a:lnRef idx="1">
+              <a:schemeClr val="dk1"/>
+            </a:lnRef>
+            <a:fillRef idx="0">
+              <a:schemeClr val="dk1"/>
+            </a:fillRef>
+            <a:effectRef idx="0">
+              <a:schemeClr val="dk1"/>
+            </a:effectRef>
+            <a:fontRef idx="minor">
+              <a:schemeClr val="tx1"/>
+            </a:fontRef>
+          </p:style>
+        </p:cxnSp>
+        <p:cxnSp>
+          <p:nvCxnSpPr>
+            <p:cNvPr id="22" name="Straight Connector 21"/>
+            <p:cNvCxnSpPr>
+              <a:stCxn id="16" idx="2"/>
+            </p:cNvCxnSpPr>
+            <p:nvPr/>
+          </p:nvCxnSpPr>
+          <p:spPr>
+            <a:xfrm>
+              <a:off x="12586" y="4401"/>
+              <a:ext cx="0" cy="326"/>
+            </a:xfrm>
+            <a:prstGeom prst="line">
+              <a:avLst/>
+            </a:prstGeom>
+          </p:spPr>
+          <p:style>
+            <a:lnRef idx="1">
+              <a:schemeClr val="dk1"/>
+            </a:lnRef>
+            <a:fillRef idx="0">
+              <a:schemeClr val="dk1"/>
+            </a:fillRef>
+            <a:effectRef idx="0">
+              <a:schemeClr val="dk1"/>
+            </a:effectRef>
+            <a:fontRef idx="minor">
+              <a:schemeClr val="tx1"/>
+            </a:fontRef>
+          </p:style>
+        </p:cxnSp>
+        <p:cxnSp>
+          <p:nvCxnSpPr>
+            <p:cNvPr id="24" name="Straight Connector 23"/>
+            <p:cNvCxnSpPr>
+              <a:stCxn id="19" idx="2"/>
+              <a:endCxn id="14" idx="0"/>
+            </p:cNvCxnSpPr>
+            <p:nvPr/>
+          </p:nvCxnSpPr>
+          <p:spPr>
+            <a:xfrm>
+              <a:off x="11236" y="5159"/>
+              <a:ext cx="0" cy="271"/>
+            </a:xfrm>
+            <a:prstGeom prst="line">
+              <a:avLst/>
+            </a:prstGeom>
+          </p:spPr>
+          <p:style>
+            <a:lnRef idx="1">
+              <a:schemeClr val="dk1"/>
+            </a:lnRef>
+            <a:fillRef idx="0">
+              <a:schemeClr val="dk1"/>
+            </a:fillRef>
+            <a:effectRef idx="0">
+              <a:schemeClr val="dk1"/>
+            </a:effectRef>
+            <a:fontRef idx="minor">
+              <a:schemeClr val="tx1"/>
+            </a:fontRef>
+          </p:style>
+        </p:cxnSp>
+        <p:sp>
+          <p:nvSpPr>
+            <p:cNvPr id="25" name="Rounded Rectangle 24"/>
+            <p:cNvSpPr/>
+            <p:nvPr/>
+          </p:nvSpPr>
+          <p:spPr>
+            <a:xfrm>
+              <a:off x="12070" y="5430"/>
+              <a:ext cx="1032" cy="432"/>
+            </a:xfrm>
+            <a:prstGeom prst="roundRect">
+              <a:avLst/>
+            </a:prstGeom>
+          </p:spPr>
+          <p:style>
+            <a:lnRef idx="2">
+              <a:schemeClr val="accent1">
+                <a:shade val="50000"/>
+              </a:schemeClr>
+            </a:lnRef>
+            <a:fillRef idx="1">
+              <a:schemeClr val="accent1"/>
+            </a:fillRef>
+            <a:effectRef idx="0">
+              <a:schemeClr val="accent1"/>
+            </a:effectRef>
+            <a:fontRef idx="minor">
+              <a:schemeClr val="lt1"/>
+            </a:fontRef>
+          </p:style>
+          <p:txBody>
+            <a:bodyPr rtlCol="0" anchor="ctr"/>
+            <a:p>
+              <a:pPr algn="ctr"/>
+              <a:r>
+                <a:rPr lang="en-US" sz="1400"/>
+                <a:t>W</a:t>
+              </a:r>
+              <a:r>
+                <a:rPr lang="en-US" sz="1400" baseline="-25000"/>
+                <a:t>2</a:t>
+              </a:r>
+              <a:endParaRPr lang="en-US" sz="1400" baseline="-25000"/>
+            </a:p>
+          </p:txBody>
+        </p:sp>
+        <p:sp>
+          <p:nvSpPr>
+            <p:cNvPr id="27" name="Rounded Rectangle 26"/>
+            <p:cNvSpPr/>
+            <p:nvPr/>
+          </p:nvSpPr>
+          <p:spPr>
+            <a:xfrm>
+              <a:off x="11985" y="4727"/>
+              <a:ext cx="1201" cy="432"/>
+            </a:xfrm>
+            <a:prstGeom prst="roundRect">
+              <a:avLst/>
+            </a:prstGeom>
+          </p:spPr>
+          <p:style>
+            <a:lnRef idx="2">
+              <a:schemeClr val="accent1">
+                <a:shade val="50000"/>
+              </a:schemeClr>
+            </a:lnRef>
+            <a:fillRef idx="1">
+              <a:schemeClr val="accent1"/>
+            </a:fillRef>
+            <a:effectRef idx="0">
+              <a:schemeClr val="accent1"/>
+            </a:effectRef>
+            <a:fontRef idx="minor">
+              <a:schemeClr val="lt1"/>
+            </a:fontRef>
+          </p:style>
+          <p:txBody>
+            <a:bodyPr rtlCol="0" anchor="ctr"/>
+            <a:p>
+              <a:pPr algn="ctr"/>
+              <a:r>
+                <a:rPr lang="en-US" sz="1400"/>
+                <a:t>LSTM</a:t>
+              </a:r>
+              <a:endParaRPr lang="en-US" sz="1400" baseline="-25000"/>
+            </a:p>
+          </p:txBody>
+        </p:sp>
+        <p:cxnSp>
+          <p:nvCxnSpPr>
+            <p:cNvPr id="28" name="Straight Connector 27"/>
+            <p:cNvCxnSpPr>
+              <a:stCxn id="27" idx="2"/>
+              <a:endCxn id="25" idx="0"/>
+            </p:cNvCxnSpPr>
+            <p:nvPr/>
+          </p:nvCxnSpPr>
+          <p:spPr>
+            <a:xfrm>
+              <a:off x="12586" y="5159"/>
+              <a:ext cx="0" cy="271"/>
+            </a:xfrm>
+            <a:prstGeom prst="line">
+              <a:avLst/>
+            </a:prstGeom>
+          </p:spPr>
+          <p:style>
+            <a:lnRef idx="1">
+              <a:schemeClr val="dk1"/>
+            </a:lnRef>
+            <a:fillRef idx="0">
+              <a:schemeClr val="dk1"/>
+            </a:fillRef>
+            <a:effectRef idx="0">
+              <a:schemeClr val="dk1"/>
+            </a:effectRef>
+            <a:fontRef idx="minor">
+              <a:schemeClr val="tx1"/>
+            </a:fontRef>
+          </p:style>
+        </p:cxnSp>
+        <p:sp>
+          <p:nvSpPr>
+            <p:cNvPr id="29" name="Rounded Rectangle 28"/>
+            <p:cNvSpPr/>
+            <p:nvPr/>
+          </p:nvSpPr>
+          <p:spPr>
+            <a:xfrm>
+              <a:off x="13420" y="5430"/>
+              <a:ext cx="1032" cy="432"/>
+            </a:xfrm>
+            <a:prstGeom prst="roundRect">
+              <a:avLst/>
+            </a:prstGeom>
+          </p:spPr>
+          <p:style>
+            <a:lnRef idx="2">
+              <a:schemeClr val="accent1">
+                <a:shade val="50000"/>
+              </a:schemeClr>
+            </a:lnRef>
+            <a:fillRef idx="1">
+              <a:schemeClr val="accent1"/>
+            </a:fillRef>
+            <a:effectRef idx="0">
+              <a:schemeClr val="accent1"/>
+            </a:effectRef>
+            <a:fontRef idx="minor">
+              <a:schemeClr val="lt1"/>
+            </a:fontRef>
+          </p:style>
+          <p:txBody>
+            <a:bodyPr rtlCol="0" anchor="ctr"/>
+            <a:p>
+              <a:pPr algn="ctr"/>
+              <a:r>
+                <a:rPr lang="en-US" sz="1400"/>
+                <a:t>W</a:t>
+              </a:r>
+              <a:r>
+                <a:rPr lang="en-US" sz="1400" baseline="-25000"/>
+                <a:t>3</a:t>
+              </a:r>
+              <a:endParaRPr lang="en-US" sz="1400" baseline="-25000"/>
+            </a:p>
+          </p:txBody>
+        </p:sp>
+        <p:sp>
+          <p:nvSpPr>
+            <p:cNvPr id="34" name="Rounded Rectangle 33"/>
+            <p:cNvSpPr/>
+            <p:nvPr/>
+          </p:nvSpPr>
+          <p:spPr>
+            <a:xfrm>
+              <a:off x="13335" y="4727"/>
+              <a:ext cx="1201" cy="432"/>
+            </a:xfrm>
+            <a:prstGeom prst="roundRect">
+              <a:avLst/>
+            </a:prstGeom>
+          </p:spPr>
+          <p:style>
+            <a:lnRef idx="2">
+              <a:schemeClr val="accent1">
+                <a:shade val="50000"/>
+              </a:schemeClr>
+            </a:lnRef>
+            <a:fillRef idx="1">
+              <a:schemeClr val="accent1"/>
+            </a:fillRef>
+            <a:effectRef idx="0">
+              <a:schemeClr val="accent1"/>
+            </a:effectRef>
+            <a:fontRef idx="minor">
+              <a:schemeClr val="lt1"/>
+            </a:fontRef>
+          </p:style>
+          <p:txBody>
+            <a:bodyPr rtlCol="0" anchor="ctr"/>
+            <a:p>
+              <a:pPr algn="ctr"/>
+              <a:r>
+                <a:rPr lang="en-US" sz="1400"/>
+                <a:t>LSTM</a:t>
+              </a:r>
+              <a:endParaRPr lang="en-US" sz="1400" baseline="-25000"/>
+            </a:p>
+          </p:txBody>
+        </p:sp>
+        <p:cxnSp>
+          <p:nvCxnSpPr>
+            <p:cNvPr id="35" name="Straight Connector 34"/>
+            <p:cNvCxnSpPr>
+              <a:stCxn id="34" idx="2"/>
+              <a:endCxn id="29" idx="0"/>
+            </p:cNvCxnSpPr>
+            <p:nvPr/>
+          </p:nvCxnSpPr>
+          <p:spPr>
+            <a:xfrm>
+              <a:off x="13936" y="5159"/>
+              <a:ext cx="0" cy="271"/>
+            </a:xfrm>
+            <a:prstGeom prst="line">
+              <a:avLst/>
+            </a:prstGeom>
+          </p:spPr>
+          <p:style>
+            <a:lnRef idx="1">
+              <a:schemeClr val="dk1"/>
+            </a:lnRef>
+            <a:fillRef idx="0">
+              <a:schemeClr val="dk1"/>
+            </a:fillRef>
+            <a:effectRef idx="0">
+              <a:schemeClr val="dk1"/>
+            </a:effectRef>
+            <a:fontRef idx="minor">
+              <a:schemeClr val="tx1"/>
+            </a:fontRef>
+          </p:style>
+        </p:cxnSp>
+        <p:sp>
+          <p:nvSpPr>
+            <p:cNvPr id="38" name="Text Box 37"/>
+            <p:cNvSpPr txBox="1"/>
+            <p:nvPr/>
+          </p:nvSpPr>
+          <p:spPr>
+            <a:xfrm>
+              <a:off x="2006" y="4932"/>
+              <a:ext cx="1852" cy="725"/>
+            </a:xfrm>
+            <a:prstGeom prst="rect">
+              <a:avLst/>
+            </a:prstGeom>
+            <a:noFill/>
+          </p:spPr>
+          <p:txBody>
+            <a:bodyPr wrap="square" rtlCol="0">
+              <a:spAutoFit/>
+            </a:bodyPr>
+            <a:p>
+              <a:r>
+                <a:rPr lang="en-US" sz="1200"/>
+                <a:t>For Aspect Classification</a:t>
+              </a:r>
+              <a:endParaRPr lang="en-US" sz="1200"/>
+            </a:p>
+          </p:txBody>
+        </p:sp>
+        <p:sp>
+          <p:nvSpPr>
+            <p:cNvPr id="58" name="Rounded Rectangle 57"/>
+            <p:cNvSpPr/>
+            <p:nvPr/>
+          </p:nvSpPr>
+          <p:spPr>
+            <a:xfrm>
+              <a:off x="11084" y="2113"/>
+              <a:ext cx="901" cy="432"/>
+            </a:xfrm>
+            <a:prstGeom prst="roundRect">
+              <a:avLst/>
+            </a:prstGeom>
+          </p:spPr>
+          <p:style>
+            <a:lnRef idx="2">
+              <a:schemeClr val="accent6">
+                <a:shade val="50000"/>
+              </a:schemeClr>
+            </a:lnRef>
+            <a:fillRef idx="1">
+              <a:schemeClr val="accent6"/>
+            </a:fillRef>
+            <a:effectRef idx="0">
+              <a:schemeClr val="accent6"/>
+            </a:effectRef>
+            <a:fontRef idx="minor">
+              <a:schemeClr val="lt1"/>
+            </a:fontRef>
+          </p:style>
+          <p:txBody>
+            <a:bodyPr rtlCol="0" anchor="ctr"/>
+            <a:p>
+              <a:pPr algn="ctr"/>
+              <a:r>
+                <a:rPr lang="en-US" sz="1400"/>
+                <a:t>S</a:t>
+              </a:r>
+              <a:r>
+                <a:rPr lang="en-US" sz="1400" baseline="-25000"/>
+                <a:t>final</a:t>
+              </a:r>
+              <a:endParaRPr lang="en-US" sz="1400" baseline="-25000"/>
+            </a:p>
+          </p:txBody>
+        </p:sp>
+        <p:cxnSp>
+          <p:nvCxnSpPr>
+            <p:cNvPr id="60" name="Straight Connector 59"/>
+            <p:cNvCxnSpPr>
+              <a:stCxn id="23" idx="3"/>
+              <a:endCxn id="58" idx="2"/>
+            </p:cNvCxnSpPr>
+            <p:nvPr/>
+          </p:nvCxnSpPr>
+          <p:spPr>
+            <a:xfrm flipV="1">
+              <a:off x="6409" y="2545"/>
+              <a:ext cx="5126" cy="844"/>
+            </a:xfrm>
+            <a:prstGeom prst="line">
+              <a:avLst/>
+            </a:prstGeom>
+          </p:spPr>
+          <p:style>
+            <a:lnRef idx="1">
+              <a:schemeClr val="dk1"/>
+            </a:lnRef>
+            <a:fillRef idx="0">
+              <a:schemeClr val="dk1"/>
+            </a:fillRef>
+            <a:effectRef idx="0">
+              <a:schemeClr val="dk1"/>
+            </a:effectRef>
+            <a:fontRef idx="minor">
+              <a:schemeClr val="tx1"/>
+            </a:fontRef>
+          </p:style>
+        </p:cxnSp>
+        <p:cxnSp>
+          <p:nvCxnSpPr>
+            <p:cNvPr id="61" name="Straight Connector 60"/>
+            <p:cNvCxnSpPr>
+              <a:stCxn id="15" idx="0"/>
+              <a:endCxn id="58" idx="2"/>
+            </p:cNvCxnSpPr>
+            <p:nvPr/>
+          </p:nvCxnSpPr>
+          <p:spPr>
+            <a:xfrm flipH="1" flipV="1">
+              <a:off x="11535" y="2545"/>
+              <a:ext cx="1051" cy="628"/>
+            </a:xfrm>
+            <a:prstGeom prst="line">
+              <a:avLst/>
+            </a:prstGeom>
+          </p:spPr>
+          <p:style>
+            <a:lnRef idx="1">
+              <a:schemeClr val="dk1"/>
+            </a:lnRef>
+            <a:fillRef idx="0">
+              <a:schemeClr val="dk1"/>
+            </a:fillRef>
+            <a:effectRef idx="0">
+              <a:schemeClr val="dk1"/>
+            </a:effectRef>
+            <a:fontRef idx="minor">
+              <a:schemeClr val="tx1"/>
+            </a:fontRef>
+          </p:style>
+        </p:cxnSp>
+        <p:cxnSp>
+          <p:nvCxnSpPr>
+            <p:cNvPr id="67" name="Straight Connector 66"/>
+            <p:cNvCxnSpPr>
+              <a:stCxn id="47" idx="3"/>
+              <a:endCxn id="16" idx="1"/>
+            </p:cNvCxnSpPr>
+            <p:nvPr/>
+          </p:nvCxnSpPr>
+          <p:spPr>
+            <a:xfrm>
+              <a:off x="11236" y="4185"/>
+              <a:ext cx="515" cy="0"/>
+            </a:xfrm>
+            <a:prstGeom prst="line">
+              <a:avLst/>
+            </a:prstGeom>
+          </p:spPr>
+          <p:style>
+            <a:lnRef idx="1">
+              <a:schemeClr val="dk1"/>
+            </a:lnRef>
+            <a:fillRef idx="0">
+              <a:schemeClr val="dk1"/>
+            </a:fillRef>
+            <a:effectRef idx="0">
+              <a:schemeClr val="dk1"/>
+            </a:effectRef>
+            <a:fontRef idx="minor">
+              <a:schemeClr val="tx1"/>
+            </a:fontRef>
+          </p:style>
+        </p:cxnSp>
+      </p:grpSp>
+      <p:cxnSp>
+        <p:nvCxnSpPr>
+          <p:cNvPr id="77" name="Straight Connector 76"/>
+          <p:cNvCxnSpPr>
+            <a:stCxn id="33" idx="3"/>
+            <a:endCxn id="3" idx="1"/>
+          </p:cNvCxnSpPr>
+          <p:nvPr/>
+        </p:nvCxnSpPr>
+        <p:spPr>
+          <a:xfrm>
+            <a:off x="3212465" y="3138805"/>
+            <a:ext cx="94615" cy="0"/>
+          </a:xfrm>
+          <a:prstGeom prst="line">
+            <a:avLst/>
+          </a:prstGeom>
+        </p:spPr>
+        <p:style>
+          <a:lnRef idx="1">
+            <a:schemeClr val="dk1"/>
+          </a:lnRef>
+          <a:fillRef idx="0">
+            <a:schemeClr val="dk1"/>
+          </a:fillRef>
+          <a:effectRef idx="0">
+            <a:schemeClr val="dk1"/>
+          </a:effectRef>
+          <a:fontRef idx="minor">
+            <a:schemeClr val="tx1"/>
+          </a:fontRef>
+        </p:style>
+      </p:cxnSp>
+      <p:cxnSp>
+        <p:nvCxnSpPr>
+          <p:cNvPr id="80" name="Straight Connector 79"/>
+          <p:cNvCxnSpPr>
+            <a:stCxn id="3" idx="3"/>
+            <a:endCxn id="11" idx="1"/>
+          </p:cNvCxnSpPr>
+          <p:nvPr/>
+        </p:nvCxnSpPr>
+        <p:spPr>
+          <a:xfrm>
+            <a:off x="4069715" y="3138805"/>
+            <a:ext cx="94615" cy="0"/>
+          </a:xfrm>
+          <a:prstGeom prst="line">
+            <a:avLst/>
+          </a:prstGeom>
+        </p:spPr>
+        <p:style>
+          <a:lnRef idx="1">
+            <a:schemeClr val="dk1"/>
+          </a:lnRef>
+          <a:fillRef idx="0">
+            <a:schemeClr val="dk1"/>
+          </a:fillRef>
+          <a:effectRef idx="0">
+            <a:schemeClr val="dk1"/>
+          </a:effectRef>
+          <a:fontRef idx="minor">
+            <a:schemeClr val="tx1"/>
+          </a:fontRef>
+        </p:style>
+      </p:cxnSp>
+      <p:cxnSp>
+        <p:nvCxnSpPr>
+          <p:cNvPr id="81" name="Straight Connector 80"/>
+          <p:cNvCxnSpPr>
+            <a:stCxn id="19" idx="3"/>
+            <a:endCxn id="27" idx="1"/>
+          </p:cNvCxnSpPr>
+          <p:nvPr/>
+        </p:nvCxnSpPr>
+        <p:spPr>
+          <a:xfrm>
+            <a:off x="7515860" y="3138805"/>
+            <a:ext cx="94615" cy="0"/>
+          </a:xfrm>
+          <a:prstGeom prst="line">
+            <a:avLst/>
+          </a:prstGeom>
+        </p:spPr>
+        <p:style>
+          <a:lnRef idx="1">
+            <a:schemeClr val="dk1"/>
+          </a:lnRef>
+          <a:fillRef idx="0">
+            <a:schemeClr val="dk1"/>
+          </a:fillRef>
+          <a:effectRef idx="0">
+            <a:schemeClr val="dk1"/>
+          </a:effectRef>
+          <a:fontRef idx="minor">
+            <a:schemeClr val="tx1"/>
+          </a:fontRef>
+        </p:style>
+      </p:cxnSp>
+      <p:cxnSp>
+        <p:nvCxnSpPr>
+          <p:cNvPr id="82" name="Straight Connector 81"/>
+          <p:cNvCxnSpPr>
+            <a:stCxn id="27" idx="3"/>
+            <a:endCxn id="34" idx="1"/>
+          </p:cNvCxnSpPr>
+          <p:nvPr/>
+        </p:nvCxnSpPr>
+        <p:spPr>
+          <a:xfrm>
+            <a:off x="8373110" y="3138805"/>
+            <a:ext cx="94615" cy="0"/>
+          </a:xfrm>
+          <a:prstGeom prst="line">
+            <a:avLst/>
+          </a:prstGeom>
+        </p:spPr>
+        <p:style>
+          <a:lnRef idx="1">
+            <a:schemeClr val="dk1"/>
+          </a:lnRef>
+          <a:fillRef idx="0">
+            <a:schemeClr val="dk1"/>
+          </a:fillRef>
+          <a:effectRef idx="0">
+            <a:schemeClr val="dk1"/>
+          </a:effectRef>
+          <a:fontRef idx="minor">
+            <a:schemeClr val="tx1"/>
+          </a:fontRef>
+        </p:style>
+      </p:cxnSp>
+    </p:spTree>
+  </p:cSld>
+  <p:clrMapOvr>
+    <a:masterClrMapping/>
+  </p:clrMapOvr>
+</p:sld>
+</file>
+
+<file path=ppt/slides/slide3.xml><?xml version="1.0" encoding="utf-8"?>
+<p:sld xmlns:a="http://schemas.openxmlformats.org/drawingml/2006/main" xmlns:r="http://schemas.openxmlformats.org/officeDocument/2006/relationships" xmlns:p="http://schemas.openxmlformats.org/presentationml/2006/main">
+  <p:cSld>
+    <p:spTree>
+      <p:nvGrpSpPr>
+        <p:cNvPr id="1" name=""/>
+        <p:cNvGrpSpPr/>
+        <p:nvPr/>
+      </p:nvGrpSpPr>
+      <p:grpSpPr/>
+      <p:grpSp>
+        <p:nvGrpSpPr>
+          <p:cNvPr id="101" name="Group 100"/>
+          <p:cNvGrpSpPr/>
+          <p:nvPr/>
+        </p:nvGrpSpPr>
+        <p:grpSpPr>
+          <a:xfrm>
+            <a:off x="3237230" y="1264920"/>
+            <a:ext cx="6426200" cy="3425190"/>
+            <a:chOff x="751" y="2271"/>
+            <a:chExt cx="10120" cy="5394"/>
+          </a:xfrm>
+        </p:grpSpPr>
+        <p:sp>
+          <p:nvSpPr>
+            <p:cNvPr id="5" name="Rounded Rectangle 4"/>
+            <p:cNvSpPr/>
+            <p:nvPr/>
+          </p:nvSpPr>
+          <p:spPr>
+            <a:xfrm>
+              <a:off x="1880" y="6460"/>
+              <a:ext cx="1032" cy="432"/>
+            </a:xfrm>
+            <a:prstGeom prst="roundRect">
+              <a:avLst/>
+            </a:prstGeom>
+          </p:spPr>
+          <p:style>
+            <a:lnRef idx="2">
+              <a:schemeClr val="accent1">
+                <a:shade val="50000"/>
+              </a:schemeClr>
+            </a:lnRef>
+            <a:fillRef idx="1">
+              <a:schemeClr val="accent1"/>
+            </a:fillRef>
+            <a:effectRef idx="0">
+              <a:schemeClr val="accent1"/>
+            </a:effectRef>
+            <a:fontRef idx="minor">
+              <a:schemeClr val="lt1"/>
+            </a:fontRef>
+          </p:style>
+          <p:txBody>
+            <a:bodyPr rtlCol="0" anchor="ctr"/>
+            <a:p>
+              <a:pPr algn="ctr"/>
+              <a:r>
+                <a:rPr lang="en-US" sz="1400"/>
+                <a:t>Ch</a:t>
+              </a:r>
+              <a:r>
+                <a:rPr lang="en-US" sz="1400" baseline="-25000"/>
+                <a:t>1</a:t>
+              </a:r>
+              <a:endParaRPr lang="en-US" sz="1400" baseline="-25000"/>
+            </a:p>
+          </p:txBody>
+        </p:sp>
+        <p:sp>
+          <p:nvSpPr>
+            <p:cNvPr id="23" name="Rounded Rectangle 22"/>
+            <p:cNvSpPr/>
+            <p:nvPr/>
+          </p:nvSpPr>
+          <p:spPr>
+            <a:xfrm>
+              <a:off x="5211" y="2271"/>
+              <a:ext cx="1198" cy="432"/>
+            </a:xfrm>
+            <a:prstGeom prst="roundRect">
+              <a:avLst/>
+            </a:prstGeom>
+          </p:spPr>
+          <p:style>
+            <a:lnRef idx="2">
+              <a:schemeClr val="accent6">
+                <a:shade val="50000"/>
+              </a:schemeClr>
+            </a:lnRef>
+            <a:fillRef idx="1">
+              <a:schemeClr val="accent6"/>
+            </a:fillRef>
+            <a:effectRef idx="0">
+              <a:schemeClr val="accent6"/>
+            </a:effectRef>
+            <a:fontRef idx="minor">
+              <a:schemeClr val="lt1"/>
+            </a:fontRef>
+          </p:style>
+          <p:txBody>
+            <a:bodyPr rtlCol="0" anchor="ctr"/>
+            <a:p>
+              <a:pPr algn="ctr"/>
+              <a:r>
+                <a:rPr lang="en-US" sz="1400"/>
+                <a:t>S</a:t>
+              </a:r>
+              <a:endParaRPr lang="en-US" sz="1400" baseline="-25000"/>
+            </a:p>
+          </p:txBody>
+        </p:sp>
+        <p:sp>
+          <p:nvSpPr>
+            <p:cNvPr id="26" name="Rounded Rectangle 25"/>
+            <p:cNvSpPr/>
+            <p:nvPr/>
+          </p:nvSpPr>
+          <p:spPr>
+            <a:xfrm>
+              <a:off x="4974" y="3067"/>
+              <a:ext cx="1670" cy="433"/>
+            </a:xfrm>
+            <a:prstGeom prst="roundRect">
+              <a:avLst/>
+            </a:prstGeom>
+          </p:spPr>
+          <p:style>
+            <a:lnRef idx="2">
+              <a:schemeClr val="accent2">
+                <a:shade val="50000"/>
+              </a:schemeClr>
+            </a:lnRef>
+            <a:fillRef idx="1">
+              <a:schemeClr val="accent2"/>
+            </a:fillRef>
+            <a:effectRef idx="0">
+              <a:schemeClr val="accent2"/>
+            </a:effectRef>
+            <a:fontRef idx="minor">
+              <a:schemeClr val="lt1"/>
+            </a:fontRef>
+          </p:style>
+          <p:txBody>
+            <a:bodyPr rtlCol="0" anchor="ctr"/>
+            <a:p>
+              <a:pPr algn="ctr"/>
+              <a:r>
+                <a:rPr lang="en-US" sz="1400"/>
+                <a:t>Attention</a:t>
+              </a:r>
+              <a:endParaRPr lang="en-US" sz="1400" baseline="-25000"/>
+            </a:p>
+          </p:txBody>
+        </p:sp>
+        <p:cxnSp>
+          <p:nvCxnSpPr>
+            <p:cNvPr id="30" name="Straight Connector 29"/>
+            <p:cNvCxnSpPr>
+              <a:stCxn id="26" idx="0"/>
+              <a:endCxn id="23" idx="2"/>
+            </p:cNvCxnSpPr>
+            <p:nvPr/>
+          </p:nvCxnSpPr>
+          <p:spPr>
+            <a:xfrm flipV="1">
+              <a:off x="5809" y="2703"/>
+              <a:ext cx="1" cy="364"/>
+            </a:xfrm>
+            <a:prstGeom prst="line">
+              <a:avLst/>
+            </a:prstGeom>
+          </p:spPr>
+          <p:style>
+            <a:lnRef idx="1">
+              <a:schemeClr val="dk1"/>
+            </a:lnRef>
+            <a:fillRef idx="0">
+              <a:schemeClr val="dk1"/>
+            </a:fillRef>
+            <a:effectRef idx="0">
+              <a:schemeClr val="dk1"/>
+            </a:effectRef>
+            <a:fontRef idx="minor">
+              <a:schemeClr val="tx1"/>
+            </a:fontRef>
+          </p:style>
+        </p:cxnSp>
+        <p:sp>
+          <p:nvSpPr>
+            <p:cNvPr id="33" name="Rounded Rectangle 32"/>
+            <p:cNvSpPr/>
+            <p:nvPr/>
+          </p:nvSpPr>
+          <p:spPr>
+            <a:xfrm>
+              <a:off x="1489" y="4519"/>
+              <a:ext cx="1847" cy="539"/>
+            </a:xfrm>
+            <a:prstGeom prst="roundRect">
+              <a:avLst/>
+            </a:prstGeom>
+          </p:spPr>
+          <p:style>
+            <a:lnRef idx="2">
+              <a:schemeClr val="accent5">
+                <a:shade val="50000"/>
+              </a:schemeClr>
+            </a:lnRef>
+            <a:fillRef idx="1">
+              <a:schemeClr val="accent5"/>
+            </a:fillRef>
+            <a:effectRef idx="0">
+              <a:schemeClr val="accent5"/>
+            </a:effectRef>
+            <a:fontRef idx="minor">
+              <a:schemeClr val="lt1"/>
+            </a:fontRef>
+          </p:style>
+          <p:txBody>
+            <a:bodyPr rtlCol="0" anchor="ctr"/>
+            <a:p>
+              <a:pPr algn="ctr"/>
+              <a:r>
+                <a:rPr lang="en-US" sz="1400"/>
+                <a:t>LSTM/GRU</a:t>
+              </a:r>
+              <a:endParaRPr lang="en-US" sz="1400" baseline="-25000"/>
+            </a:p>
+          </p:txBody>
+        </p:sp>
+        <p:cxnSp>
+          <p:nvCxnSpPr>
+            <p:cNvPr id="39" name="Straight Connector 38"/>
+            <p:cNvCxnSpPr>
+              <a:stCxn id="33" idx="0"/>
+              <a:endCxn id="26" idx="2"/>
+            </p:cNvCxnSpPr>
+            <p:nvPr/>
+          </p:nvCxnSpPr>
+          <p:spPr>
+            <a:xfrm flipV="1">
+              <a:off x="2413" y="3500"/>
+              <a:ext cx="3396" cy="1019"/>
+            </a:xfrm>
+            <a:prstGeom prst="line">
+              <a:avLst/>
+            </a:prstGeom>
+          </p:spPr>
+          <p:style>
+            <a:lnRef idx="1">
+              <a:schemeClr val="dk1"/>
+            </a:lnRef>
+            <a:fillRef idx="0">
+              <a:schemeClr val="dk1"/>
+            </a:fillRef>
+            <a:effectRef idx="0">
+              <a:schemeClr val="dk1"/>
+            </a:effectRef>
+            <a:fontRef idx="minor">
+              <a:schemeClr val="tx1"/>
+            </a:fontRef>
+          </p:style>
+        </p:cxnSp>
+        <p:sp>
+          <p:nvSpPr>
+            <p:cNvPr id="4" name="Text Box 3"/>
+            <p:cNvSpPr txBox="1"/>
+            <p:nvPr/>
+          </p:nvSpPr>
+          <p:spPr>
+            <a:xfrm>
+              <a:off x="4378" y="7231"/>
+              <a:ext cx="2827" cy="434"/>
+            </a:xfrm>
+            <a:prstGeom prst="rect">
+              <a:avLst/>
+            </a:prstGeom>
+            <a:noFill/>
+          </p:spPr>
+          <p:txBody>
+            <a:bodyPr wrap="square" rtlCol="0">
+              <a:spAutoFit/>
+            </a:bodyPr>
+            <a:p>
+              <a:r>
+                <a:rPr lang="en-US" sz="1200"/>
+                <a:t>Figure 3: Char Encoder</a:t>
+              </a:r>
+              <a:endParaRPr lang="en-US" sz="1200"/>
+            </a:p>
+          </p:txBody>
+        </p:sp>
+        <p:sp>
+          <p:nvSpPr>
+            <p:cNvPr id="6" name="Rounded Rectangle 5"/>
+            <p:cNvSpPr/>
+            <p:nvPr/>
+          </p:nvSpPr>
+          <p:spPr>
+            <a:xfrm>
+              <a:off x="751" y="6460"/>
+              <a:ext cx="1032" cy="432"/>
+            </a:xfrm>
+            <a:prstGeom prst="roundRect">
+              <a:avLst/>
+            </a:prstGeom>
+          </p:spPr>
+          <p:style>
+            <a:lnRef idx="2">
+              <a:schemeClr val="accent1">
+                <a:shade val="50000"/>
+              </a:schemeClr>
+            </a:lnRef>
+            <a:fillRef idx="1">
+              <a:schemeClr val="accent1"/>
+            </a:fillRef>
+            <a:effectRef idx="0">
+              <a:schemeClr val="accent1"/>
+            </a:effectRef>
+            <a:fontRef idx="minor">
+              <a:schemeClr val="lt1"/>
+            </a:fontRef>
+          </p:style>
+          <p:txBody>
+            <a:bodyPr rtlCol="0" anchor="ctr"/>
+            <a:p>
+              <a:pPr algn="ctr"/>
+              <a:r>
+                <a:rPr lang="en-US" sz="1400"/>
+                <a:t>PAD</a:t>
+              </a:r>
+              <a:endParaRPr lang="en-US" sz="1400" baseline="-25000"/>
+            </a:p>
+          </p:txBody>
+        </p:sp>
+        <p:sp>
+          <p:nvSpPr>
+            <p:cNvPr id="7" name="Rounded Rectangle 6"/>
+            <p:cNvSpPr/>
+            <p:nvPr/>
+          </p:nvSpPr>
+          <p:spPr>
+            <a:xfrm>
+              <a:off x="3014" y="6460"/>
+              <a:ext cx="1032" cy="432"/>
+            </a:xfrm>
+            <a:prstGeom prst="roundRect">
+              <a:avLst/>
+            </a:prstGeom>
+          </p:spPr>
+          <p:style>
+            <a:lnRef idx="2">
+              <a:schemeClr val="accent1">
+                <a:shade val="50000"/>
+              </a:schemeClr>
+            </a:lnRef>
+            <a:fillRef idx="1">
+              <a:schemeClr val="accent1"/>
+            </a:fillRef>
+            <a:effectRef idx="0">
+              <a:schemeClr val="accent1"/>
+            </a:effectRef>
+            <a:fontRef idx="minor">
+              <a:schemeClr val="lt1"/>
+            </a:fontRef>
+          </p:style>
+          <p:txBody>
+            <a:bodyPr rtlCol="0" anchor="ctr"/>
+            <a:p>
+              <a:pPr algn="ctr"/>
+              <a:r>
+                <a:rPr lang="en-US" sz="1400"/>
+                <a:t>Ch</a:t>
+              </a:r>
+              <a:r>
+                <a:rPr lang="en-US" sz="1400" baseline="-25000"/>
+                <a:t>2</a:t>
+              </a:r>
+              <a:endParaRPr lang="en-US" sz="1400" baseline="-25000"/>
+            </a:p>
+          </p:txBody>
+        </p:sp>
+        <p:sp>
+          <p:nvSpPr>
+            <p:cNvPr id="8" name="Rounded Rectangle 7"/>
+            <p:cNvSpPr/>
+            <p:nvPr/>
+          </p:nvSpPr>
+          <p:spPr>
+            <a:xfrm>
+              <a:off x="1659" y="5490"/>
+              <a:ext cx="1474" cy="539"/>
+            </a:xfrm>
+            <a:prstGeom prst="roundRect">
+              <a:avLst/>
+            </a:prstGeom>
+          </p:spPr>
+          <p:style>
+            <a:lnRef idx="2">
+              <a:schemeClr val="accent2">
+                <a:shade val="50000"/>
+              </a:schemeClr>
+            </a:lnRef>
+            <a:fillRef idx="1">
+              <a:schemeClr val="accent2"/>
+            </a:fillRef>
+            <a:effectRef idx="0">
+              <a:schemeClr val="accent2"/>
+            </a:effectRef>
+            <a:fontRef idx="minor">
+              <a:schemeClr val="lt1"/>
+            </a:fontRef>
+          </p:style>
+          <p:txBody>
+            <a:bodyPr rtlCol="0" anchor="ctr"/>
+            <a:p>
+              <a:pPr algn="ctr"/>
+              <a:r>
+                <a:rPr lang="en-US" sz="1400"/>
+                <a:t>CNN</a:t>
+              </a:r>
+              <a:endParaRPr lang="en-US" sz="1400" baseline="-25000"/>
+            </a:p>
+          </p:txBody>
+        </p:sp>
+        <p:cxnSp>
+          <p:nvCxnSpPr>
+            <p:cNvPr id="36" name="Straight Connector 35"/>
+            <p:cNvCxnSpPr>
+              <a:stCxn id="8" idx="0"/>
+              <a:endCxn id="33" idx="2"/>
+            </p:cNvCxnSpPr>
+            <p:nvPr/>
+          </p:nvCxnSpPr>
+          <p:spPr>
+            <a:xfrm flipV="1">
+              <a:off x="2379" y="5058"/>
+              <a:ext cx="17" cy="432"/>
+            </a:xfrm>
+            <a:prstGeom prst="line">
+              <a:avLst/>
+            </a:prstGeom>
+          </p:spPr>
+          <p:style>
+            <a:lnRef idx="1">
+              <a:schemeClr val="dk1"/>
+            </a:lnRef>
+            <a:fillRef idx="0">
+              <a:schemeClr val="dk1"/>
+            </a:fillRef>
+            <a:effectRef idx="0">
+              <a:schemeClr val="dk1"/>
+            </a:effectRef>
+            <a:fontRef idx="minor">
+              <a:schemeClr val="tx1"/>
+            </a:fontRef>
+          </p:style>
+        </p:cxnSp>
+        <p:cxnSp>
+          <p:nvCxnSpPr>
+            <p:cNvPr id="37" name="Straight Connector 36"/>
+            <p:cNvCxnSpPr>
+              <a:stCxn id="6" idx="0"/>
+              <a:endCxn id="8" idx="2"/>
+            </p:cNvCxnSpPr>
+            <p:nvPr/>
+          </p:nvCxnSpPr>
+          <p:spPr>
+            <a:xfrm flipV="1">
+              <a:off x="1250" y="6029"/>
+              <a:ext cx="1129" cy="431"/>
+            </a:xfrm>
+            <a:prstGeom prst="line">
+              <a:avLst/>
+            </a:prstGeom>
+          </p:spPr>
+          <p:style>
+            <a:lnRef idx="1">
+              <a:schemeClr val="dk1"/>
+            </a:lnRef>
+            <a:fillRef idx="0">
+              <a:schemeClr val="dk1"/>
+            </a:fillRef>
+            <a:effectRef idx="0">
+              <a:schemeClr val="dk1"/>
+            </a:effectRef>
+            <a:fontRef idx="minor">
+              <a:schemeClr val="tx1"/>
+            </a:fontRef>
+          </p:style>
+        </p:cxnSp>
+        <p:cxnSp>
+          <p:nvCxnSpPr>
+            <p:cNvPr id="40" name="Straight Connector 39"/>
+            <p:cNvCxnSpPr>
+              <a:stCxn id="5" idx="0"/>
+              <a:endCxn id="8" idx="2"/>
+            </p:cNvCxnSpPr>
+            <p:nvPr/>
+          </p:nvCxnSpPr>
+          <p:spPr>
+            <a:xfrm flipV="1">
+              <a:off x="2379" y="6029"/>
+              <a:ext cx="0" cy="431"/>
+            </a:xfrm>
+            <a:prstGeom prst="line">
+              <a:avLst/>
+            </a:prstGeom>
+          </p:spPr>
+          <p:style>
+            <a:lnRef idx="1">
+              <a:schemeClr val="dk1"/>
+            </a:lnRef>
+            <a:fillRef idx="0">
+              <a:schemeClr val="dk1"/>
+            </a:fillRef>
+            <a:effectRef idx="0">
+              <a:schemeClr val="dk1"/>
+            </a:effectRef>
+            <a:fontRef idx="minor">
+              <a:schemeClr val="tx1"/>
+            </a:fontRef>
+          </p:style>
+        </p:cxnSp>
+        <p:cxnSp>
+          <p:nvCxnSpPr>
+            <p:cNvPr id="43" name="Straight Connector 42"/>
+            <p:cNvCxnSpPr>
+              <a:stCxn id="7" idx="0"/>
+              <a:endCxn id="8" idx="2"/>
+            </p:cNvCxnSpPr>
+            <p:nvPr/>
+          </p:nvCxnSpPr>
+          <p:spPr>
+            <a:xfrm flipH="1" flipV="1">
+              <a:off x="2379" y="6029"/>
+              <a:ext cx="1134" cy="431"/>
+            </a:xfrm>
+            <a:prstGeom prst="line">
+              <a:avLst/>
+            </a:prstGeom>
+          </p:spPr>
+          <p:style>
+            <a:lnRef idx="1">
+              <a:schemeClr val="dk1"/>
+            </a:lnRef>
+            <a:fillRef idx="0">
+              <a:schemeClr val="dk1"/>
+            </a:fillRef>
+            <a:effectRef idx="0">
+              <a:schemeClr val="dk1"/>
+            </a:effectRef>
+            <a:fontRef idx="minor">
+              <a:schemeClr val="tx1"/>
+            </a:fontRef>
+          </p:style>
+        </p:cxnSp>
+        <p:sp>
+          <p:nvSpPr>
+            <p:cNvPr id="79" name="Rounded Rectangle 78"/>
+            <p:cNvSpPr/>
+            <p:nvPr/>
+          </p:nvSpPr>
+          <p:spPr>
+            <a:xfrm>
+              <a:off x="5276" y="6460"/>
+              <a:ext cx="1032" cy="432"/>
+            </a:xfrm>
+            <a:prstGeom prst="roundRect">
+              <a:avLst/>
+            </a:prstGeom>
+          </p:spPr>
+          <p:style>
+            <a:lnRef idx="2">
+              <a:schemeClr val="accent1">
+                <a:shade val="50000"/>
+              </a:schemeClr>
+            </a:lnRef>
+            <a:fillRef idx="1">
+              <a:schemeClr val="accent1"/>
+            </a:fillRef>
+            <a:effectRef idx="0">
+              <a:schemeClr val="accent1"/>
+            </a:effectRef>
+            <a:fontRef idx="minor">
+              <a:schemeClr val="lt1"/>
+            </a:fontRef>
+          </p:style>
+          <p:txBody>
+            <a:bodyPr rtlCol="0" anchor="ctr"/>
+            <a:p>
+              <a:pPr algn="ctr"/>
+              <a:r>
+                <a:rPr lang="en-US" sz="1400"/>
+                <a:t>Ch</a:t>
+              </a:r>
+              <a:r>
+                <a:rPr lang="en-US" sz="1400" baseline="-25000"/>
+                <a:t>2</a:t>
+              </a:r>
+              <a:endParaRPr lang="en-US" sz="1400" baseline="-25000"/>
+            </a:p>
+          </p:txBody>
+        </p:sp>
+        <p:sp>
+          <p:nvSpPr>
+            <p:cNvPr id="80" name="Rounded Rectangle 79"/>
+            <p:cNvSpPr/>
+            <p:nvPr/>
+          </p:nvSpPr>
+          <p:spPr>
+            <a:xfrm>
+              <a:off x="4885" y="4519"/>
+              <a:ext cx="1847" cy="539"/>
+            </a:xfrm>
+            <a:prstGeom prst="roundRect">
+              <a:avLst/>
+            </a:prstGeom>
+          </p:spPr>
+          <p:style>
+            <a:lnRef idx="2">
+              <a:schemeClr val="accent5">
+                <a:shade val="50000"/>
+              </a:schemeClr>
+            </a:lnRef>
+            <a:fillRef idx="1">
+              <a:schemeClr val="accent5"/>
+            </a:fillRef>
+            <a:effectRef idx="0">
+              <a:schemeClr val="accent5"/>
+            </a:effectRef>
+            <a:fontRef idx="minor">
+              <a:schemeClr val="lt1"/>
+            </a:fontRef>
+          </p:style>
+          <p:txBody>
+            <a:bodyPr rtlCol="0" anchor="ctr"/>
+            <a:p>
+              <a:pPr algn="ctr"/>
+              <a:r>
+                <a:rPr lang="en-US" sz="1400"/>
+                <a:t>LSTM/GRU</a:t>
+              </a:r>
+              <a:endParaRPr lang="en-US" sz="1400" baseline="-25000"/>
+            </a:p>
+          </p:txBody>
+        </p:sp>
+        <p:sp>
+          <p:nvSpPr>
+            <p:cNvPr id="81" name="Rounded Rectangle 80"/>
+            <p:cNvSpPr/>
+            <p:nvPr/>
+          </p:nvSpPr>
+          <p:spPr>
+            <a:xfrm>
+              <a:off x="4147" y="6460"/>
+              <a:ext cx="1032" cy="432"/>
+            </a:xfrm>
+            <a:prstGeom prst="roundRect">
+              <a:avLst/>
+            </a:prstGeom>
+          </p:spPr>
+          <p:style>
+            <a:lnRef idx="2">
+              <a:schemeClr val="accent1">
+                <a:shade val="50000"/>
+              </a:schemeClr>
+            </a:lnRef>
+            <a:fillRef idx="1">
+              <a:schemeClr val="accent1"/>
+            </a:fillRef>
+            <a:effectRef idx="0">
+              <a:schemeClr val="accent1"/>
+            </a:effectRef>
+            <a:fontRef idx="minor">
+              <a:schemeClr val="lt1"/>
+            </a:fontRef>
+          </p:style>
+          <p:txBody>
+            <a:bodyPr rtlCol="0" anchor="ctr"/>
+            <a:p>
+              <a:pPr algn="ctr"/>
+              <a:r>
+                <a:rPr lang="en-US" sz="1400"/>
+                <a:t>Ch</a:t>
+              </a:r>
+              <a:r>
+                <a:rPr lang="en-US" sz="1400" baseline="-25000"/>
+                <a:t>1</a:t>
+              </a:r>
+              <a:endParaRPr lang="en-US" sz="1400" baseline="-25000"/>
+            </a:p>
+          </p:txBody>
+        </p:sp>
+        <p:sp>
+          <p:nvSpPr>
+            <p:cNvPr id="82" name="Rounded Rectangle 81"/>
+            <p:cNvSpPr/>
+            <p:nvPr/>
+          </p:nvSpPr>
+          <p:spPr>
+            <a:xfrm>
+              <a:off x="6410" y="6460"/>
+              <a:ext cx="1032" cy="432"/>
+            </a:xfrm>
+            <a:prstGeom prst="roundRect">
+              <a:avLst/>
+            </a:prstGeom>
+          </p:spPr>
+          <p:style>
+            <a:lnRef idx="2">
+              <a:schemeClr val="accent1">
+                <a:shade val="50000"/>
+              </a:schemeClr>
+            </a:lnRef>
+            <a:fillRef idx="1">
+              <a:schemeClr val="accent1"/>
+            </a:fillRef>
+            <a:effectRef idx="0">
+              <a:schemeClr val="accent1"/>
+            </a:effectRef>
+            <a:fontRef idx="minor">
+              <a:schemeClr val="lt1"/>
+            </a:fontRef>
+          </p:style>
+          <p:txBody>
+            <a:bodyPr rtlCol="0" anchor="ctr"/>
+            <a:p>
+              <a:pPr algn="ctr"/>
+              <a:r>
+                <a:rPr lang="en-US" sz="1400"/>
+                <a:t>Ch</a:t>
+              </a:r>
+              <a:r>
+                <a:rPr lang="en-US" sz="1400" baseline="-25000"/>
+                <a:t>3</a:t>
+              </a:r>
+              <a:endParaRPr lang="en-US" sz="1400" baseline="-25000"/>
+            </a:p>
+          </p:txBody>
+        </p:sp>
+        <p:sp>
+          <p:nvSpPr>
+            <p:cNvPr id="83" name="Rounded Rectangle 82"/>
+            <p:cNvSpPr/>
+            <p:nvPr/>
+          </p:nvSpPr>
+          <p:spPr>
+            <a:xfrm>
+              <a:off x="5055" y="5490"/>
+              <a:ext cx="1474" cy="539"/>
+            </a:xfrm>
+            <a:prstGeom prst="roundRect">
+              <a:avLst/>
+            </a:prstGeom>
+          </p:spPr>
+          <p:style>
+            <a:lnRef idx="2">
+              <a:schemeClr val="accent2">
+                <a:shade val="50000"/>
+              </a:schemeClr>
+            </a:lnRef>
+            <a:fillRef idx="1">
+              <a:schemeClr val="accent2"/>
+            </a:fillRef>
+            <a:effectRef idx="0">
+              <a:schemeClr val="accent2"/>
+            </a:effectRef>
+            <a:fontRef idx="minor">
+              <a:schemeClr val="lt1"/>
+            </a:fontRef>
+          </p:style>
+          <p:txBody>
+            <a:bodyPr rtlCol="0" anchor="ctr"/>
+            <a:p>
+              <a:pPr algn="ctr"/>
+              <a:r>
+                <a:rPr lang="en-US" sz="1400"/>
+                <a:t>CNN</a:t>
+              </a:r>
+              <a:endParaRPr lang="en-US" sz="1400" baseline="-25000"/>
+            </a:p>
+          </p:txBody>
+        </p:sp>
+        <p:cxnSp>
+          <p:nvCxnSpPr>
+            <p:cNvPr id="84" name="Straight Connector 83"/>
+            <p:cNvCxnSpPr>
+              <a:stCxn id="83" idx="0"/>
+              <a:endCxn id="80" idx="2"/>
+            </p:cNvCxnSpPr>
+            <p:nvPr/>
+          </p:nvCxnSpPr>
+          <p:spPr>
+            <a:xfrm flipV="1">
+              <a:off x="5792" y="5058"/>
+              <a:ext cx="17" cy="432"/>
+            </a:xfrm>
+            <a:prstGeom prst="line">
+              <a:avLst/>
+            </a:prstGeom>
+          </p:spPr>
+          <p:style>
+            <a:lnRef idx="1">
+              <a:schemeClr val="dk1"/>
+            </a:lnRef>
+            <a:fillRef idx="0">
+              <a:schemeClr val="dk1"/>
+            </a:fillRef>
+            <a:effectRef idx="0">
+              <a:schemeClr val="dk1"/>
+            </a:effectRef>
+            <a:fontRef idx="minor">
+              <a:schemeClr val="tx1"/>
+            </a:fontRef>
+          </p:style>
+        </p:cxnSp>
+        <p:cxnSp>
+          <p:nvCxnSpPr>
+            <p:cNvPr id="85" name="Straight Connector 84"/>
+            <p:cNvCxnSpPr>
+              <a:stCxn id="81" idx="0"/>
+              <a:endCxn id="83" idx="2"/>
+            </p:cNvCxnSpPr>
+            <p:nvPr/>
+          </p:nvCxnSpPr>
+          <p:spPr>
+            <a:xfrm flipV="1">
+              <a:off x="4663" y="6029"/>
+              <a:ext cx="1129" cy="431"/>
+            </a:xfrm>
+            <a:prstGeom prst="line">
+              <a:avLst/>
+            </a:prstGeom>
+          </p:spPr>
+          <p:style>
+            <a:lnRef idx="1">
+              <a:schemeClr val="dk1"/>
+            </a:lnRef>
+            <a:fillRef idx="0">
+              <a:schemeClr val="dk1"/>
+            </a:fillRef>
+            <a:effectRef idx="0">
+              <a:schemeClr val="dk1"/>
+            </a:effectRef>
+            <a:fontRef idx="minor">
+              <a:schemeClr val="tx1"/>
+            </a:fontRef>
+          </p:style>
+        </p:cxnSp>
+        <p:cxnSp>
+          <p:nvCxnSpPr>
+            <p:cNvPr id="86" name="Straight Connector 85"/>
+            <p:cNvCxnSpPr>
+              <a:stCxn id="79" idx="0"/>
+              <a:endCxn id="83" idx="2"/>
+            </p:cNvCxnSpPr>
+            <p:nvPr/>
+          </p:nvCxnSpPr>
+          <p:spPr>
+            <a:xfrm flipV="1">
+              <a:off x="5792" y="6029"/>
+              <a:ext cx="0" cy="431"/>
+            </a:xfrm>
+            <a:prstGeom prst="line">
+              <a:avLst/>
+            </a:prstGeom>
+          </p:spPr>
+          <p:style>
+            <a:lnRef idx="1">
+              <a:schemeClr val="dk1"/>
+            </a:lnRef>
+            <a:fillRef idx="0">
+              <a:schemeClr val="dk1"/>
+            </a:fillRef>
+            <a:effectRef idx="0">
+              <a:schemeClr val="dk1"/>
+            </a:effectRef>
+            <a:fontRef idx="minor">
+              <a:schemeClr val="tx1"/>
+            </a:fontRef>
+          </p:style>
+        </p:cxnSp>
+        <p:cxnSp>
+          <p:nvCxnSpPr>
+            <p:cNvPr id="87" name="Straight Connector 86"/>
+            <p:cNvCxnSpPr>
+              <a:stCxn id="82" idx="0"/>
+              <a:endCxn id="83" idx="2"/>
+            </p:cNvCxnSpPr>
+            <p:nvPr/>
+          </p:nvCxnSpPr>
+          <p:spPr>
+            <a:xfrm flipH="1" flipV="1">
+              <a:off x="5792" y="6029"/>
+              <a:ext cx="1134" cy="431"/>
+            </a:xfrm>
+            <a:prstGeom prst="line">
+              <a:avLst/>
+            </a:prstGeom>
+          </p:spPr>
+          <p:style>
+            <a:lnRef idx="1">
+              <a:schemeClr val="dk1"/>
+            </a:lnRef>
+            <a:fillRef idx="0">
+              <a:schemeClr val="dk1"/>
+            </a:fillRef>
+            <a:effectRef idx="0">
+              <a:schemeClr val="dk1"/>
+            </a:effectRef>
+            <a:fontRef idx="minor">
+              <a:schemeClr val="tx1"/>
+            </a:fontRef>
+          </p:style>
+        </p:cxnSp>
+        <p:sp>
+          <p:nvSpPr>
+            <p:cNvPr id="88" name="Rounded Rectangle 87"/>
+            <p:cNvSpPr/>
+            <p:nvPr/>
+          </p:nvSpPr>
+          <p:spPr>
+            <a:xfrm>
+              <a:off x="8705" y="6460"/>
+              <a:ext cx="1032" cy="432"/>
+            </a:xfrm>
+            <a:prstGeom prst="roundRect">
+              <a:avLst/>
+            </a:prstGeom>
+          </p:spPr>
+          <p:style>
+            <a:lnRef idx="2">
+              <a:schemeClr val="accent1">
+                <a:shade val="50000"/>
+              </a:schemeClr>
+            </a:lnRef>
+            <a:fillRef idx="1">
+              <a:schemeClr val="accent1"/>
+            </a:fillRef>
+            <a:effectRef idx="0">
+              <a:schemeClr val="accent1"/>
+            </a:effectRef>
+            <a:fontRef idx="minor">
+              <a:schemeClr val="lt1"/>
+            </a:fontRef>
+          </p:style>
+          <p:txBody>
+            <a:bodyPr rtlCol="0" anchor="ctr"/>
+            <a:p>
+              <a:pPr algn="ctr"/>
+              <a:r>
+                <a:rPr lang="en-US" sz="1400"/>
+                <a:t>Ch</a:t>
+              </a:r>
+              <a:r>
+                <a:rPr lang="en-US" sz="1400" baseline="-25000"/>
+                <a:t>3</a:t>
+              </a:r>
+              <a:endParaRPr lang="en-US" sz="1400" baseline="-25000"/>
+            </a:p>
+          </p:txBody>
+        </p:sp>
+        <p:sp>
+          <p:nvSpPr>
+            <p:cNvPr id="89" name="Rounded Rectangle 88"/>
+            <p:cNvSpPr/>
+            <p:nvPr/>
+          </p:nvSpPr>
+          <p:spPr>
+            <a:xfrm>
+              <a:off x="8314" y="4519"/>
+              <a:ext cx="1847" cy="539"/>
+            </a:xfrm>
+            <a:prstGeom prst="roundRect">
+              <a:avLst/>
+            </a:prstGeom>
+          </p:spPr>
+          <p:style>
+            <a:lnRef idx="2">
+              <a:schemeClr val="accent5">
+                <a:shade val="50000"/>
+              </a:schemeClr>
+            </a:lnRef>
+            <a:fillRef idx="1">
+              <a:schemeClr val="accent5"/>
+            </a:fillRef>
+            <a:effectRef idx="0">
+              <a:schemeClr val="accent5"/>
+            </a:effectRef>
+            <a:fontRef idx="minor">
+              <a:schemeClr val="lt1"/>
+            </a:fontRef>
+          </p:style>
+          <p:txBody>
+            <a:bodyPr rtlCol="0" anchor="ctr"/>
+            <a:p>
+              <a:pPr algn="ctr"/>
+              <a:r>
+                <a:rPr lang="en-US" sz="1400"/>
+                <a:t>LSTM/GRU</a:t>
+              </a:r>
+              <a:endParaRPr lang="en-US" sz="1400" baseline="-25000"/>
+            </a:p>
+          </p:txBody>
+        </p:sp>
+        <p:sp>
+          <p:nvSpPr>
+            <p:cNvPr id="90" name="Rounded Rectangle 89"/>
+            <p:cNvSpPr/>
+            <p:nvPr/>
+          </p:nvSpPr>
+          <p:spPr>
+            <a:xfrm>
+              <a:off x="7576" y="6460"/>
+              <a:ext cx="1032" cy="432"/>
+            </a:xfrm>
+            <a:prstGeom prst="roundRect">
+              <a:avLst/>
+            </a:prstGeom>
+          </p:spPr>
+          <p:style>
+            <a:lnRef idx="2">
+              <a:schemeClr val="accent1">
+                <a:shade val="50000"/>
+              </a:schemeClr>
+            </a:lnRef>
+            <a:fillRef idx="1">
+              <a:schemeClr val="accent1"/>
+            </a:fillRef>
+            <a:effectRef idx="0">
+              <a:schemeClr val="accent1"/>
+            </a:effectRef>
+            <a:fontRef idx="minor">
+              <a:schemeClr val="lt1"/>
+            </a:fontRef>
+          </p:style>
+          <p:txBody>
+            <a:bodyPr rtlCol="0" anchor="ctr"/>
+            <a:p>
+              <a:pPr algn="ctr"/>
+              <a:r>
+                <a:rPr lang="en-US" sz="1400"/>
+                <a:t>CH</a:t>
+              </a:r>
+              <a:r>
+                <a:rPr lang="en-US" sz="1400" baseline="-25000"/>
+                <a:t>2</a:t>
+              </a:r>
+              <a:endParaRPr lang="en-US" sz="1400" baseline="-25000"/>
+            </a:p>
+          </p:txBody>
+        </p:sp>
+        <p:sp>
+          <p:nvSpPr>
+            <p:cNvPr id="91" name="Rounded Rectangle 90"/>
+            <p:cNvSpPr/>
+            <p:nvPr/>
+          </p:nvSpPr>
+          <p:spPr>
+            <a:xfrm>
+              <a:off x="9839" y="6460"/>
+              <a:ext cx="1032" cy="432"/>
+            </a:xfrm>
+            <a:prstGeom prst="roundRect">
+              <a:avLst/>
+            </a:prstGeom>
+          </p:spPr>
+          <p:style>
+            <a:lnRef idx="2">
+              <a:schemeClr val="accent1">
+                <a:shade val="50000"/>
+              </a:schemeClr>
+            </a:lnRef>
+            <a:fillRef idx="1">
+              <a:schemeClr val="accent1"/>
+            </a:fillRef>
+            <a:effectRef idx="0">
+              <a:schemeClr val="accent1"/>
+            </a:effectRef>
+            <a:fontRef idx="minor">
+              <a:schemeClr val="lt1"/>
+            </a:fontRef>
+          </p:style>
+          <p:txBody>
+            <a:bodyPr rtlCol="0" anchor="ctr"/>
+            <a:p>
+              <a:pPr algn="ctr"/>
+              <a:r>
+                <a:rPr lang="en-US" sz="1400"/>
+                <a:t>PAD</a:t>
+              </a:r>
+              <a:endParaRPr lang="en-US" sz="1400" baseline="-25000"/>
+            </a:p>
+          </p:txBody>
+        </p:sp>
+        <p:sp>
+          <p:nvSpPr>
+            <p:cNvPr id="92" name="Rounded Rectangle 91"/>
+            <p:cNvSpPr/>
+            <p:nvPr/>
+          </p:nvSpPr>
+          <p:spPr>
+            <a:xfrm>
+              <a:off x="8484" y="5490"/>
+              <a:ext cx="1474" cy="539"/>
+            </a:xfrm>
+            <a:prstGeom prst="roundRect">
+              <a:avLst/>
+            </a:prstGeom>
+          </p:spPr>
+          <p:style>
+            <a:lnRef idx="2">
+              <a:schemeClr val="accent2">
+                <a:shade val="50000"/>
+              </a:schemeClr>
+            </a:lnRef>
+            <a:fillRef idx="1">
+              <a:schemeClr val="accent2"/>
+            </a:fillRef>
+            <a:effectRef idx="0">
+              <a:schemeClr val="accent2"/>
+            </a:effectRef>
+            <a:fontRef idx="minor">
+              <a:schemeClr val="lt1"/>
+            </a:fontRef>
+          </p:style>
+          <p:txBody>
+            <a:bodyPr rtlCol="0" anchor="ctr"/>
+            <a:p>
+              <a:pPr algn="ctr"/>
+              <a:r>
+                <a:rPr lang="en-US" sz="1400"/>
+                <a:t>CNN</a:t>
+              </a:r>
+              <a:endParaRPr lang="en-US" sz="1400" baseline="-25000"/>
+            </a:p>
+          </p:txBody>
+        </p:sp>
+        <p:cxnSp>
+          <p:nvCxnSpPr>
+            <p:cNvPr id="93" name="Straight Connector 92"/>
+            <p:cNvCxnSpPr>
+              <a:stCxn id="92" idx="0"/>
+              <a:endCxn id="89" idx="2"/>
+            </p:cNvCxnSpPr>
+            <p:nvPr/>
+          </p:nvCxnSpPr>
+          <p:spPr>
+            <a:xfrm flipV="1">
+              <a:off x="9204" y="5058"/>
+              <a:ext cx="17" cy="432"/>
+            </a:xfrm>
+            <a:prstGeom prst="line">
+              <a:avLst/>
+            </a:prstGeom>
+          </p:spPr>
+          <p:style>
+            <a:lnRef idx="1">
+              <a:schemeClr val="dk1"/>
+            </a:lnRef>
+            <a:fillRef idx="0">
+              <a:schemeClr val="dk1"/>
+            </a:fillRef>
+            <a:effectRef idx="0">
+              <a:schemeClr val="dk1"/>
+            </a:effectRef>
+            <a:fontRef idx="minor">
+              <a:schemeClr val="tx1"/>
+            </a:fontRef>
+          </p:style>
+        </p:cxnSp>
+        <p:cxnSp>
+          <p:nvCxnSpPr>
+            <p:cNvPr id="94" name="Straight Connector 93"/>
+            <p:cNvCxnSpPr>
+              <a:stCxn id="90" idx="0"/>
+              <a:endCxn id="92" idx="2"/>
+            </p:cNvCxnSpPr>
+            <p:nvPr/>
+          </p:nvCxnSpPr>
+          <p:spPr>
+            <a:xfrm flipV="1">
+              <a:off x="8075" y="6029"/>
+              <a:ext cx="1129" cy="431"/>
+            </a:xfrm>
+            <a:prstGeom prst="line">
+              <a:avLst/>
+            </a:prstGeom>
+          </p:spPr>
+          <p:style>
+            <a:lnRef idx="1">
+              <a:schemeClr val="dk1"/>
+            </a:lnRef>
+            <a:fillRef idx="0">
+              <a:schemeClr val="dk1"/>
+            </a:fillRef>
+            <a:effectRef idx="0">
+              <a:schemeClr val="dk1"/>
+            </a:effectRef>
+            <a:fontRef idx="minor">
+              <a:schemeClr val="tx1"/>
+            </a:fontRef>
+          </p:style>
+        </p:cxnSp>
+        <p:cxnSp>
+          <p:nvCxnSpPr>
+            <p:cNvPr id="95" name="Straight Connector 94"/>
+            <p:cNvCxnSpPr>
+              <a:stCxn id="88" idx="0"/>
+              <a:endCxn id="92" idx="2"/>
+            </p:cNvCxnSpPr>
+            <p:nvPr/>
+          </p:nvCxnSpPr>
+          <p:spPr>
+            <a:xfrm flipV="1">
+              <a:off x="9204" y="6029"/>
+              <a:ext cx="0" cy="431"/>
+            </a:xfrm>
+            <a:prstGeom prst="line">
+              <a:avLst/>
+            </a:prstGeom>
+          </p:spPr>
+          <p:style>
+            <a:lnRef idx="1">
+              <a:schemeClr val="dk1"/>
+            </a:lnRef>
+            <a:fillRef idx="0">
+              <a:schemeClr val="dk1"/>
+            </a:fillRef>
+            <a:effectRef idx="0">
+              <a:schemeClr val="dk1"/>
+            </a:effectRef>
+            <a:fontRef idx="minor">
+              <a:schemeClr val="tx1"/>
+            </a:fontRef>
+          </p:style>
+        </p:cxnSp>
+        <p:cxnSp>
+          <p:nvCxnSpPr>
+            <p:cNvPr id="96" name="Straight Connector 95"/>
+            <p:cNvCxnSpPr>
+              <a:stCxn id="91" idx="0"/>
+              <a:endCxn id="92" idx="2"/>
+            </p:cNvCxnSpPr>
+            <p:nvPr/>
+          </p:nvCxnSpPr>
+          <p:spPr>
+            <a:xfrm flipH="1" flipV="1">
+              <a:off x="9204" y="6029"/>
+              <a:ext cx="1134" cy="431"/>
+            </a:xfrm>
+            <a:prstGeom prst="line">
+              <a:avLst/>
+            </a:prstGeom>
+          </p:spPr>
+          <p:style>
+            <a:lnRef idx="1">
+              <a:schemeClr val="dk1"/>
+            </a:lnRef>
+            <a:fillRef idx="0">
+              <a:schemeClr val="dk1"/>
+            </a:fillRef>
+            <a:effectRef idx="0">
+              <a:schemeClr val="dk1"/>
+            </a:effectRef>
+            <a:fontRef idx="minor">
+              <a:schemeClr val="tx1"/>
+            </a:fontRef>
+          </p:style>
+        </p:cxnSp>
+        <p:cxnSp>
+          <p:nvCxnSpPr>
+            <p:cNvPr id="99" name="Straight Connector 98"/>
+            <p:cNvCxnSpPr>
+              <a:stCxn id="26" idx="2"/>
+              <a:endCxn id="80" idx="0"/>
+            </p:cNvCxnSpPr>
+            <p:nvPr/>
+          </p:nvCxnSpPr>
+          <p:spPr>
+            <a:xfrm>
+              <a:off x="5809" y="3500"/>
+              <a:ext cx="0" cy="1019"/>
+            </a:xfrm>
+            <a:prstGeom prst="line">
+              <a:avLst/>
+            </a:prstGeom>
+          </p:spPr>
+          <p:style>
+            <a:lnRef idx="1">
+              <a:schemeClr val="dk1"/>
+            </a:lnRef>
+            <a:fillRef idx="0">
+              <a:schemeClr val="dk1"/>
+            </a:fillRef>
+            <a:effectRef idx="0">
+              <a:schemeClr val="dk1"/>
+            </a:effectRef>
+            <a:fontRef idx="minor">
+              <a:schemeClr val="tx1"/>
+            </a:fontRef>
+          </p:style>
+        </p:cxnSp>
+        <p:cxnSp>
+          <p:nvCxnSpPr>
+            <p:cNvPr id="100" name="Straight Connector 99"/>
+            <p:cNvCxnSpPr>
+              <a:stCxn id="26" idx="2"/>
+              <a:endCxn id="89" idx="0"/>
+            </p:cNvCxnSpPr>
+            <p:nvPr/>
+          </p:nvCxnSpPr>
+          <p:spPr>
+            <a:xfrm>
+              <a:off x="5809" y="3500"/>
+              <a:ext cx="3429" cy="1019"/>
+            </a:xfrm>
+            <a:prstGeom prst="line">
+              <a:avLst/>
+            </a:prstGeom>
+          </p:spPr>
+          <p:style>
+            <a:lnRef idx="1">
+              <a:schemeClr val="dk1"/>
+            </a:lnRef>
+            <a:fillRef idx="0">
+              <a:schemeClr val="dk1"/>
+            </a:fillRef>
+            <a:effectRef idx="0">
+              <a:schemeClr val="dk1"/>
+            </a:effectRef>
+            <a:fontRef idx="minor">
+              <a:schemeClr val="tx1"/>
+            </a:fontRef>
+          </p:style>
+        </p:cxnSp>
+      </p:grpSp>
+    </p:spTree>
+  </p:cSld>
+  <p:clrMapOvr>
+    <a:masterClrMapping/>
+  </p:clrMapOvr>
+</p:sld>
+</file>
+
+<file path=ppt/slides/slide4.xml><?xml version="1.0" encoding="utf-8"?>
+<p:sld xmlns:a="http://schemas.openxmlformats.org/drawingml/2006/main" xmlns:r="http://schemas.openxmlformats.org/officeDocument/2006/relationships" xmlns:p="http://schemas.openxmlformats.org/presentationml/2006/main">
+  <p:cSld>
+    <p:spTree>
+      <p:nvGrpSpPr>
+        <p:cNvPr id="1" name=""/>
+        <p:cNvGrpSpPr/>
+        <p:nvPr/>
+      </p:nvGrpSpPr>
+      <p:grpSpPr/>
+      <p:grpSp>
+        <p:nvGrpSpPr>
+          <p:cNvPr id="50" name="Group 49"/>
+          <p:cNvGrpSpPr/>
+          <p:nvPr/>
+        </p:nvGrpSpPr>
+        <p:grpSpPr>
+          <a:xfrm>
+            <a:off x="2289810" y="1443990"/>
+            <a:ext cx="7080250" cy="4210685"/>
+            <a:chOff x="3606" y="2274"/>
+            <a:chExt cx="11150" cy="6631"/>
+          </a:xfrm>
+        </p:grpSpPr>
+        <p:sp>
+          <p:nvSpPr>
+            <p:cNvPr id="23" name="Rounded Rectangle 22"/>
+            <p:cNvSpPr/>
+            <p:nvPr/>
+          </p:nvSpPr>
+          <p:spPr>
+            <a:xfrm>
+              <a:off x="12462" y="2916"/>
+              <a:ext cx="1198" cy="749"/>
+            </a:xfrm>
+            <a:prstGeom prst="roundRect">
+              <a:avLst/>
+            </a:prstGeom>
+          </p:spPr>
+          <p:style>
+            <a:lnRef idx="2">
+              <a:schemeClr val="accent6">
+                <a:shade val="50000"/>
+              </a:schemeClr>
+            </a:lnRef>
+            <a:fillRef idx="1">
+              <a:schemeClr val="accent6"/>
+            </a:fillRef>
+            <a:effectRef idx="0">
+              <a:schemeClr val="accent6"/>
+            </a:effectRef>
+            <a:fontRef idx="minor">
+              <a:schemeClr val="lt1"/>
+            </a:fontRef>
+          </p:style>
+          <p:txBody>
+            <a:bodyPr rtlCol="0" anchor="ctr"/>
+            <a:p>
+              <a:pPr algn="ctr"/>
+              <a:r>
+                <a:rPr lang="en-US" sz="1400"/>
+                <a:t>S</a:t>
+              </a:r>
+              <a:endParaRPr lang="en-US" sz="1400" baseline="-25000"/>
+            </a:p>
+          </p:txBody>
+        </p:sp>
+        <p:sp>
+          <p:nvSpPr>
+            <p:cNvPr id="4" name="Text Box 3"/>
+            <p:cNvSpPr txBox="1"/>
+            <p:nvPr/>
+          </p:nvSpPr>
+          <p:spPr>
+            <a:xfrm>
+              <a:off x="6914" y="8471"/>
+              <a:ext cx="3937" cy="434"/>
+            </a:xfrm>
+            <a:prstGeom prst="rect">
+              <a:avLst/>
+            </a:prstGeom>
+            <a:noFill/>
+          </p:spPr>
+          <p:txBody>
+            <a:bodyPr wrap="square" rtlCol="0">
+              <a:spAutoFit/>
+            </a:bodyPr>
+            <a:p>
+              <a:r>
+                <a:rPr lang="en-US" sz="1200"/>
+                <a:t>Figure 3: Multi-Features Encoder</a:t>
+              </a:r>
+              <a:endParaRPr lang="en-US" sz="1200"/>
+            </a:p>
+          </p:txBody>
+        </p:sp>
+        <p:sp>
+          <p:nvSpPr>
+            <p:cNvPr id="2" name="Rounded Rectangle 1"/>
+            <p:cNvSpPr/>
+            <p:nvPr/>
+          </p:nvSpPr>
+          <p:spPr>
+            <a:xfrm>
+              <a:off x="3606" y="5743"/>
+              <a:ext cx="1847" cy="1184"/>
+            </a:xfrm>
+            <a:prstGeom prst="roundRect">
+              <a:avLst/>
+            </a:prstGeom>
+          </p:spPr>
+          <p:style>
+            <a:lnRef idx="2">
+              <a:schemeClr val="accent5">
+                <a:shade val="50000"/>
+              </a:schemeClr>
+            </a:lnRef>
+            <a:fillRef idx="1">
+              <a:schemeClr val="accent5"/>
+            </a:fillRef>
+            <a:effectRef idx="0">
+              <a:schemeClr val="accent5"/>
+            </a:effectRef>
+            <a:fontRef idx="minor">
+              <a:schemeClr val="lt1"/>
+            </a:fontRef>
+          </p:style>
+          <p:txBody>
+            <a:bodyPr rtlCol="0" anchor="ctr"/>
+            <a:p>
+              <a:pPr algn="ctr"/>
+              <a:r>
+                <a:rPr lang="en-US" sz="1400"/>
+                <a:t>Word-Input</a:t>
+              </a:r>
+              <a:endParaRPr lang="en-US" sz="1400"/>
+            </a:p>
+            <a:p>
+              <a:pPr algn="ctr"/>
+              <a:r>
+                <a:rPr lang="en-US" sz="1400"/>
+                <a:t>(A)HUARN</a:t>
+              </a:r>
+              <a:endParaRPr lang="en-US" sz="1400" baseline="-25000"/>
+            </a:p>
+          </p:txBody>
+        </p:sp>
+        <p:sp>
+          <p:nvSpPr>
+            <p:cNvPr id="3" name="Rounded Rectangle 2"/>
+            <p:cNvSpPr/>
+            <p:nvPr/>
+          </p:nvSpPr>
+          <p:spPr>
+            <a:xfrm>
+              <a:off x="5901" y="5743"/>
+              <a:ext cx="1847" cy="1184"/>
+            </a:xfrm>
+            <a:prstGeom prst="roundRect">
+              <a:avLst/>
+            </a:prstGeom>
+          </p:spPr>
+          <p:style>
+            <a:lnRef idx="2">
+              <a:schemeClr val="accent5">
+                <a:shade val="50000"/>
+              </a:schemeClr>
+            </a:lnRef>
+            <a:fillRef idx="1">
+              <a:schemeClr val="accent5"/>
+            </a:fillRef>
+            <a:effectRef idx="0">
+              <a:schemeClr val="accent5"/>
+            </a:effectRef>
+            <a:fontRef idx="minor">
+              <a:schemeClr val="lt1"/>
+            </a:fontRef>
+          </p:style>
+          <p:txBody>
+            <a:bodyPr rtlCol="0" anchor="ctr"/>
+            <a:p>
+              <a:pPr algn="ctr"/>
+              <a:r>
+                <a:rPr lang="en-US" sz="1400"/>
+                <a:t>Char-Input</a:t>
+              </a:r>
+              <a:endParaRPr lang="en-US" sz="1400"/>
+            </a:p>
+            <a:p>
+              <a:pPr algn="ctr"/>
+              <a:r>
+                <a:rPr lang="en-US" sz="1400"/>
+                <a:t>(A)HUARN</a:t>
+              </a:r>
+              <a:endParaRPr lang="en-US" sz="1400" baseline="-25000"/>
+            </a:p>
+          </p:txBody>
+        </p:sp>
+        <p:sp>
+          <p:nvSpPr>
+            <p:cNvPr id="9" name="Rounded Rectangle 8"/>
+            <p:cNvSpPr/>
+            <p:nvPr/>
+          </p:nvSpPr>
+          <p:spPr>
+            <a:xfrm>
+              <a:off x="8206" y="5743"/>
+              <a:ext cx="1951" cy="1184"/>
+            </a:xfrm>
+            <a:prstGeom prst="roundRect">
+              <a:avLst/>
+            </a:prstGeom>
+          </p:spPr>
+          <p:style>
+            <a:lnRef idx="2">
+              <a:schemeClr val="accent5">
+                <a:shade val="50000"/>
+              </a:schemeClr>
+            </a:lnRef>
+            <a:fillRef idx="1">
+              <a:schemeClr val="accent5"/>
+            </a:fillRef>
+            <a:effectRef idx="0">
+              <a:schemeClr val="accent5"/>
+            </a:effectRef>
+            <a:fontRef idx="minor">
+              <a:schemeClr val="lt1"/>
+            </a:fontRef>
+          </p:style>
+          <p:txBody>
+            <a:bodyPr rtlCol="0" anchor="ctr"/>
+            <a:p>
+              <a:pPr algn="ctr"/>
+              <a:r>
+                <a:rPr lang="en-US" sz="1400"/>
+                <a:t>Pinyin-Input</a:t>
+              </a:r>
+              <a:endParaRPr lang="en-US" sz="1400"/>
+            </a:p>
+            <a:p>
+              <a:pPr algn="ctr"/>
+              <a:r>
+                <a:rPr lang="en-US" sz="1400"/>
+                <a:t>(A)HUARN</a:t>
+              </a:r>
+              <a:endParaRPr lang="en-US" sz="1400" baseline="-25000"/>
+            </a:p>
+          </p:txBody>
+        </p:sp>
+        <p:sp>
+          <p:nvSpPr>
+            <p:cNvPr id="10" name="Rounded Rectangle 9"/>
+            <p:cNvSpPr/>
+            <p:nvPr/>
+          </p:nvSpPr>
+          <p:spPr>
+            <a:xfrm>
+              <a:off x="10615" y="5743"/>
+              <a:ext cx="1847" cy="1184"/>
+            </a:xfrm>
+            <a:prstGeom prst="roundRect">
+              <a:avLst/>
+            </a:prstGeom>
+          </p:spPr>
+          <p:style>
+            <a:lnRef idx="2">
+              <a:schemeClr val="accent2">
+                <a:shade val="50000"/>
+              </a:schemeClr>
+            </a:lnRef>
+            <a:fillRef idx="1">
+              <a:schemeClr val="accent2"/>
+            </a:fillRef>
+            <a:effectRef idx="0">
+              <a:schemeClr val="accent2"/>
+            </a:effectRef>
+            <a:fontRef idx="minor">
+              <a:schemeClr val="lt1"/>
+            </a:fontRef>
+          </p:style>
+          <p:txBody>
+            <a:bodyPr rtlCol="0" anchor="ctr"/>
+            <a:p>
+              <a:pPr algn="ctr"/>
+              <a:r>
+                <a:rPr lang="en-US" sz="1400"/>
+                <a:t>Word-Input</a:t>
+              </a:r>
+              <a:endParaRPr lang="en-US" sz="1400"/>
+            </a:p>
+            <a:p>
+              <a:pPr algn="ctr"/>
+              <a:r>
+                <a:rPr lang="en-US" sz="1400"/>
+                <a:t>LSTM Encoder</a:t>
+              </a:r>
+              <a:endParaRPr lang="en-US" sz="1400" baseline="-25000"/>
+            </a:p>
+          </p:txBody>
+        </p:sp>
+        <p:sp>
+          <p:nvSpPr>
+            <p:cNvPr id="11" name="Rounded Rectangle 10"/>
+            <p:cNvSpPr/>
+            <p:nvPr/>
+          </p:nvSpPr>
+          <p:spPr>
+            <a:xfrm>
+              <a:off x="12910" y="5743"/>
+              <a:ext cx="1847" cy="1184"/>
+            </a:xfrm>
+            <a:prstGeom prst="roundRect">
+              <a:avLst/>
+            </a:prstGeom>
+          </p:spPr>
+          <p:style>
+            <a:lnRef idx="2">
+              <a:schemeClr val="accent6">
+                <a:shade val="50000"/>
+              </a:schemeClr>
+            </a:lnRef>
+            <a:fillRef idx="1">
+              <a:schemeClr val="accent6"/>
+            </a:fillRef>
+            <a:effectRef idx="0">
+              <a:schemeClr val="accent6"/>
+            </a:effectRef>
+            <a:fontRef idx="minor">
+              <a:schemeClr val="lt1"/>
+            </a:fontRef>
+          </p:style>
+          <p:txBody>
+            <a:bodyPr rtlCol="0" anchor="ctr"/>
+            <a:p>
+              <a:pPr algn="ctr"/>
+              <a:r>
+                <a:rPr lang="en-US" sz="1400"/>
+                <a:t>Char-Input</a:t>
+              </a:r>
+              <a:endParaRPr lang="en-US" sz="1400"/>
+            </a:p>
+            <a:p>
+              <a:pPr algn="ctr"/>
+              <a:r>
+                <a:rPr lang="en-US" sz="1400"/>
+                <a:t>LSTM Encoder</a:t>
+              </a:r>
+              <a:endParaRPr lang="en-US" sz="1400" baseline="-25000"/>
+            </a:p>
+          </p:txBody>
+        </p:sp>
+        <p:sp>
+          <p:nvSpPr>
+            <p:cNvPr id="12" name="Rounded Rectangle 11"/>
+            <p:cNvSpPr/>
+            <p:nvPr/>
+          </p:nvSpPr>
+          <p:spPr>
+            <a:xfrm>
+              <a:off x="8243" y="7641"/>
+              <a:ext cx="1878" cy="553"/>
+            </a:xfrm>
+            <a:prstGeom prst="roundRect">
+              <a:avLst/>
+            </a:prstGeom>
+          </p:spPr>
+          <p:style>
+            <a:lnRef idx="2">
+              <a:schemeClr val="accent1">
+                <a:shade val="50000"/>
+              </a:schemeClr>
+            </a:lnRef>
+            <a:fillRef idx="1">
+              <a:schemeClr val="accent1"/>
+            </a:fillRef>
+            <a:effectRef idx="0">
+              <a:schemeClr val="accent1"/>
+            </a:effectRef>
+            <a:fontRef idx="minor">
+              <a:schemeClr val="lt1"/>
+            </a:fontRef>
+          </p:style>
+          <p:txBody>
+            <a:bodyPr rtlCol="0" anchor="ctr"/>
+            <a:p>
+              <a:pPr algn="ctr"/>
+              <a:r>
+                <a:rPr lang="en-US" sz="1400"/>
+                <a:t>Sentence</a:t>
+              </a:r>
+              <a:endParaRPr lang="en-US" sz="1400" baseline="-25000"/>
+            </a:p>
+          </p:txBody>
+        </p:sp>
+        <p:cxnSp>
+          <p:nvCxnSpPr>
+            <p:cNvPr id="13" name="Straight Connector 12"/>
+            <p:cNvCxnSpPr>
+              <a:stCxn id="12" idx="0"/>
+              <a:endCxn id="9" idx="2"/>
+            </p:cNvCxnSpPr>
+            <p:nvPr/>
+          </p:nvCxnSpPr>
+          <p:spPr>
+            <a:xfrm flipV="1">
+              <a:off x="9182" y="6927"/>
+              <a:ext cx="0" cy="714"/>
+            </a:xfrm>
+            <a:prstGeom prst="line">
+              <a:avLst/>
+            </a:prstGeom>
+          </p:spPr>
+          <p:style>
+            <a:lnRef idx="1">
+              <a:schemeClr val="dk1"/>
+            </a:lnRef>
+            <a:fillRef idx="0">
+              <a:schemeClr val="dk1"/>
+            </a:fillRef>
+            <a:effectRef idx="0">
+              <a:schemeClr val="dk1"/>
+            </a:effectRef>
+            <a:fontRef idx="minor">
+              <a:schemeClr val="tx1"/>
+            </a:fontRef>
+          </p:style>
+        </p:cxnSp>
+        <p:cxnSp>
+          <p:nvCxnSpPr>
+            <p:cNvPr id="14" name="Straight Connector 13"/>
+            <p:cNvCxnSpPr>
+              <a:stCxn id="2" idx="2"/>
+              <a:endCxn id="12" idx="0"/>
+            </p:cNvCxnSpPr>
+            <p:nvPr/>
+          </p:nvCxnSpPr>
+          <p:spPr>
+            <a:xfrm>
+              <a:off x="4530" y="6927"/>
+              <a:ext cx="4652" cy="714"/>
+            </a:xfrm>
+            <a:prstGeom prst="line">
+              <a:avLst/>
+            </a:prstGeom>
+          </p:spPr>
+          <p:style>
+            <a:lnRef idx="1">
+              <a:schemeClr val="dk1"/>
+            </a:lnRef>
+            <a:fillRef idx="0">
+              <a:schemeClr val="dk1"/>
+            </a:fillRef>
+            <a:effectRef idx="0">
+              <a:schemeClr val="dk1"/>
+            </a:effectRef>
+            <a:fontRef idx="minor">
+              <a:schemeClr val="tx1"/>
+            </a:fontRef>
+          </p:style>
+        </p:cxnSp>
+        <p:cxnSp>
+          <p:nvCxnSpPr>
+            <p:cNvPr id="16" name="Straight Connector 15"/>
+            <p:cNvCxnSpPr>
+              <a:stCxn id="12" idx="0"/>
+              <a:endCxn id="3" idx="2"/>
+            </p:cNvCxnSpPr>
+            <p:nvPr/>
+          </p:nvCxnSpPr>
+          <p:spPr>
+            <a:xfrm flipH="1" flipV="1">
+              <a:off x="6825" y="6927"/>
+              <a:ext cx="2357" cy="714"/>
+            </a:xfrm>
+            <a:prstGeom prst="line">
+              <a:avLst/>
+            </a:prstGeom>
+          </p:spPr>
+          <p:style>
+            <a:lnRef idx="1">
+              <a:schemeClr val="dk1"/>
+            </a:lnRef>
+            <a:fillRef idx="0">
+              <a:schemeClr val="dk1"/>
+            </a:fillRef>
+            <a:effectRef idx="0">
+              <a:schemeClr val="dk1"/>
+            </a:effectRef>
+            <a:fontRef idx="minor">
+              <a:schemeClr val="tx1"/>
+            </a:fontRef>
+          </p:style>
+        </p:cxnSp>
+        <p:cxnSp>
+          <p:nvCxnSpPr>
+            <p:cNvPr id="17" name="Straight Connector 16"/>
+            <p:cNvCxnSpPr>
+              <a:stCxn id="12" idx="0"/>
+              <a:endCxn id="10" idx="2"/>
+            </p:cNvCxnSpPr>
+            <p:nvPr/>
+          </p:nvCxnSpPr>
+          <p:spPr>
+            <a:xfrm flipV="1">
+              <a:off x="9182" y="6927"/>
+              <a:ext cx="2357" cy="714"/>
+            </a:xfrm>
+            <a:prstGeom prst="line">
+              <a:avLst/>
+            </a:prstGeom>
+          </p:spPr>
+          <p:style>
+            <a:lnRef idx="1">
+              <a:schemeClr val="dk1"/>
+            </a:lnRef>
+            <a:fillRef idx="0">
+              <a:schemeClr val="dk1"/>
+            </a:fillRef>
+            <a:effectRef idx="0">
+              <a:schemeClr val="dk1"/>
+            </a:effectRef>
+            <a:fontRef idx="minor">
+              <a:schemeClr val="tx1"/>
+            </a:fontRef>
+          </p:style>
+        </p:cxnSp>
+        <p:cxnSp>
+          <p:nvCxnSpPr>
+            <p:cNvPr id="18" name="Straight Connector 17"/>
+            <p:cNvCxnSpPr>
+              <a:stCxn id="12" idx="0"/>
+              <a:endCxn id="11" idx="2"/>
+            </p:cNvCxnSpPr>
+            <p:nvPr/>
+          </p:nvCxnSpPr>
+          <p:spPr>
+            <a:xfrm flipV="1">
+              <a:off x="9182" y="6927"/>
+              <a:ext cx="4652" cy="714"/>
+            </a:xfrm>
+            <a:prstGeom prst="line">
+              <a:avLst/>
+            </a:prstGeom>
+          </p:spPr>
+          <p:style>
+            <a:lnRef idx="1">
+              <a:schemeClr val="dk1"/>
+            </a:lnRef>
+            <a:fillRef idx="0">
+              <a:schemeClr val="dk1"/>
+            </a:fillRef>
+            <a:effectRef idx="0">
+              <a:schemeClr val="dk1"/>
+            </a:effectRef>
+            <a:fontRef idx="minor">
+              <a:schemeClr val="tx1"/>
+            </a:fontRef>
+          </p:style>
+        </p:cxnSp>
+        <p:sp>
+          <p:nvSpPr>
+            <p:cNvPr id="19" name="Rectangle 18"/>
+            <p:cNvSpPr/>
+            <p:nvPr/>
+          </p:nvSpPr>
+          <p:spPr>
+            <a:xfrm>
+              <a:off x="6058" y="2425"/>
+              <a:ext cx="537" cy="1729"/>
+            </a:xfrm>
+            <a:prstGeom prst="rect">
+              <a:avLst/>
+            </a:prstGeom>
+          </p:spPr>
+          <p:style>
+            <a:lnRef idx="2">
+              <a:schemeClr val="accent5">
+                <a:shade val="50000"/>
+              </a:schemeClr>
+            </a:lnRef>
+            <a:fillRef idx="1">
+              <a:schemeClr val="accent5"/>
+            </a:fillRef>
+            <a:effectRef idx="0">
+              <a:schemeClr val="accent5"/>
+            </a:effectRef>
+            <a:fontRef idx="minor">
+              <a:schemeClr val="lt1"/>
+            </a:fontRef>
+          </p:style>
+          <p:txBody>
+            <a:bodyPr rtlCol="0" anchor="ctr"/>
+            <a:p>
+              <a:pPr algn="ctr"/>
+              <a:endParaRPr lang="en-US"/>
+            </a:p>
+          </p:txBody>
+        </p:sp>
+        <p:sp>
+          <p:nvSpPr>
+            <p:cNvPr id="20" name="Rectangle 19"/>
+            <p:cNvSpPr/>
+            <p:nvPr/>
+          </p:nvSpPr>
+          <p:spPr>
+            <a:xfrm>
+              <a:off x="6558" y="2425"/>
+              <a:ext cx="537" cy="1729"/>
+            </a:xfrm>
+            <a:prstGeom prst="rect">
+              <a:avLst/>
+            </a:prstGeom>
+          </p:spPr>
+          <p:style>
+            <a:lnRef idx="2">
+              <a:schemeClr val="accent3">
+                <a:shade val="50000"/>
+              </a:schemeClr>
+            </a:lnRef>
+            <a:fillRef idx="1">
+              <a:schemeClr val="accent3"/>
+            </a:fillRef>
+            <a:effectRef idx="0">
+              <a:schemeClr val="accent3"/>
+            </a:effectRef>
+            <a:fontRef idx="minor">
+              <a:schemeClr val="lt1"/>
+            </a:fontRef>
+          </p:style>
+          <p:txBody>
+            <a:bodyPr rtlCol="0" anchor="ctr"/>
+            <a:p>
+              <a:pPr algn="ctr"/>
+              <a:endParaRPr lang="en-US"/>
+            </a:p>
+          </p:txBody>
+        </p:sp>
+        <p:sp>
+          <p:nvSpPr>
+            <p:cNvPr id="21" name="Rectangle 20"/>
+            <p:cNvSpPr/>
+            <p:nvPr/>
+          </p:nvSpPr>
+          <p:spPr>
+            <a:xfrm>
+              <a:off x="7095" y="2425"/>
+              <a:ext cx="537" cy="1729"/>
+            </a:xfrm>
+            <a:prstGeom prst="rect">
+              <a:avLst/>
+            </a:prstGeom>
+          </p:spPr>
+          <p:style>
+            <a:lnRef idx="2">
+              <a:schemeClr val="accent4">
+                <a:shade val="50000"/>
+              </a:schemeClr>
+            </a:lnRef>
+            <a:fillRef idx="1">
+              <a:schemeClr val="accent4"/>
+            </a:fillRef>
+            <a:effectRef idx="0">
+              <a:schemeClr val="accent4"/>
+            </a:effectRef>
+            <a:fontRef idx="minor">
+              <a:schemeClr val="lt1"/>
+            </a:fontRef>
+          </p:style>
+          <p:txBody>
+            <a:bodyPr rtlCol="0" anchor="ctr"/>
+            <a:p>
+              <a:pPr algn="ctr"/>
+              <a:endParaRPr lang="en-US"/>
+            </a:p>
+          </p:txBody>
+        </p:sp>
+        <p:sp>
+          <p:nvSpPr>
+            <p:cNvPr id="22" name="Rectangle 21"/>
+            <p:cNvSpPr/>
+            <p:nvPr/>
+          </p:nvSpPr>
+          <p:spPr>
+            <a:xfrm>
+              <a:off x="7632" y="2425"/>
+              <a:ext cx="537" cy="1729"/>
+            </a:xfrm>
+            <a:prstGeom prst="rect">
+              <a:avLst/>
+            </a:prstGeom>
+          </p:spPr>
+          <p:style>
+            <a:lnRef idx="2">
+              <a:schemeClr val="accent2">
+                <a:shade val="50000"/>
+              </a:schemeClr>
+            </a:lnRef>
+            <a:fillRef idx="1">
+              <a:schemeClr val="accent2"/>
+            </a:fillRef>
+            <a:effectRef idx="0">
+              <a:schemeClr val="accent2"/>
+            </a:effectRef>
+            <a:fontRef idx="minor">
+              <a:schemeClr val="lt1"/>
+            </a:fontRef>
+          </p:style>
+          <p:txBody>
+            <a:bodyPr rtlCol="0" anchor="ctr"/>
+            <a:p>
+              <a:pPr algn="ctr"/>
+              <a:endParaRPr lang="en-US"/>
+            </a:p>
+          </p:txBody>
+        </p:sp>
+        <p:sp>
+          <p:nvSpPr>
+            <p:cNvPr id="24" name="Rectangle 23"/>
+            <p:cNvSpPr/>
+            <p:nvPr/>
+          </p:nvSpPr>
+          <p:spPr>
+            <a:xfrm>
+              <a:off x="8169" y="2425"/>
+              <a:ext cx="537" cy="1729"/>
+            </a:xfrm>
+            <a:prstGeom prst="rect">
+              <a:avLst/>
+            </a:prstGeom>
+          </p:spPr>
+          <p:style>
+            <a:lnRef idx="2">
+              <a:schemeClr val="accent6">
+                <a:shade val="50000"/>
+              </a:schemeClr>
+            </a:lnRef>
+            <a:fillRef idx="1">
+              <a:schemeClr val="accent6"/>
+            </a:fillRef>
+            <a:effectRef idx="0">
+              <a:schemeClr val="accent6"/>
+            </a:effectRef>
+            <a:fontRef idx="minor">
+              <a:schemeClr val="lt1"/>
+            </a:fontRef>
+          </p:style>
+          <p:txBody>
+            <a:bodyPr rtlCol="0" anchor="ctr"/>
+            <a:p>
+              <a:pPr algn="ctr"/>
+              <a:endParaRPr lang="en-US"/>
+            </a:p>
+          </p:txBody>
+        </p:sp>
+        <p:cxnSp>
+          <p:nvCxnSpPr>
+            <p:cNvPr id="27" name="Straight Connector 26"/>
+            <p:cNvCxnSpPr>
+              <a:stCxn id="2" idx="0"/>
+              <a:endCxn id="19" idx="2"/>
+            </p:cNvCxnSpPr>
+            <p:nvPr/>
+          </p:nvCxnSpPr>
+          <p:spPr>
+            <a:xfrm flipV="1">
+              <a:off x="4530" y="4154"/>
+              <a:ext cx="1797" cy="1589"/>
+            </a:xfrm>
+            <a:prstGeom prst="line">
+              <a:avLst/>
+            </a:prstGeom>
+          </p:spPr>
+          <p:style>
+            <a:lnRef idx="1">
+              <a:schemeClr val="dk1"/>
+            </a:lnRef>
+            <a:fillRef idx="0">
+              <a:schemeClr val="dk1"/>
+            </a:fillRef>
+            <a:effectRef idx="0">
+              <a:schemeClr val="dk1"/>
+            </a:effectRef>
+            <a:fontRef idx="minor">
+              <a:schemeClr val="tx1"/>
+            </a:fontRef>
+          </p:style>
+        </p:cxnSp>
+        <p:cxnSp>
+          <p:nvCxnSpPr>
+            <p:cNvPr id="28" name="Straight Connector 27"/>
+            <p:cNvCxnSpPr>
+              <a:stCxn id="3" idx="0"/>
+              <a:endCxn id="20" idx="2"/>
+            </p:cNvCxnSpPr>
+            <p:nvPr/>
+          </p:nvCxnSpPr>
+          <p:spPr>
+            <a:xfrm flipV="1">
+              <a:off x="6825" y="4154"/>
+              <a:ext cx="2" cy="1589"/>
+            </a:xfrm>
+            <a:prstGeom prst="line">
+              <a:avLst/>
+            </a:prstGeom>
+          </p:spPr>
+          <p:style>
+            <a:lnRef idx="1">
+              <a:schemeClr val="dk1"/>
+            </a:lnRef>
+            <a:fillRef idx="0">
+              <a:schemeClr val="dk1"/>
+            </a:fillRef>
+            <a:effectRef idx="0">
+              <a:schemeClr val="dk1"/>
+            </a:effectRef>
+            <a:fontRef idx="minor">
+              <a:schemeClr val="tx1"/>
+            </a:fontRef>
+          </p:style>
+        </p:cxnSp>
+        <p:cxnSp>
+          <p:nvCxnSpPr>
+            <p:cNvPr id="29" name="Straight Connector 28"/>
+            <p:cNvCxnSpPr>
+              <a:stCxn id="10" idx="0"/>
+              <a:endCxn id="22" idx="2"/>
+            </p:cNvCxnSpPr>
+            <p:nvPr/>
+          </p:nvCxnSpPr>
+          <p:spPr>
+            <a:xfrm flipH="1" flipV="1">
+              <a:off x="7901" y="4154"/>
+              <a:ext cx="3638" cy="1589"/>
+            </a:xfrm>
+            <a:prstGeom prst="line">
+              <a:avLst/>
+            </a:prstGeom>
+          </p:spPr>
+          <p:style>
+            <a:lnRef idx="1">
+              <a:schemeClr val="dk1"/>
+            </a:lnRef>
+            <a:fillRef idx="0">
+              <a:schemeClr val="dk1"/>
+            </a:fillRef>
+            <a:effectRef idx="0">
+              <a:schemeClr val="dk1"/>
+            </a:effectRef>
+            <a:fontRef idx="minor">
+              <a:schemeClr val="tx1"/>
+            </a:fontRef>
+          </p:style>
+        </p:cxnSp>
+        <p:cxnSp>
+          <p:nvCxnSpPr>
+            <p:cNvPr id="31" name="Straight Connector 30"/>
+            <p:cNvCxnSpPr>
+              <a:stCxn id="11" idx="0"/>
+              <a:endCxn id="24" idx="2"/>
+            </p:cNvCxnSpPr>
+            <p:nvPr/>
+          </p:nvCxnSpPr>
+          <p:spPr>
+            <a:xfrm flipH="1" flipV="1">
+              <a:off x="8438" y="4154"/>
+              <a:ext cx="5396" cy="1589"/>
+            </a:xfrm>
+            <a:prstGeom prst="line">
+              <a:avLst/>
+            </a:prstGeom>
+          </p:spPr>
+          <p:style>
+            <a:lnRef idx="1">
+              <a:schemeClr val="dk1"/>
+            </a:lnRef>
+            <a:fillRef idx="0">
+              <a:schemeClr val="dk1"/>
+            </a:fillRef>
+            <a:effectRef idx="0">
+              <a:schemeClr val="dk1"/>
+            </a:effectRef>
+            <a:fontRef idx="minor">
+              <a:schemeClr val="tx1"/>
+            </a:fontRef>
+          </p:style>
+        </p:cxnSp>
+        <p:cxnSp>
+          <p:nvCxnSpPr>
+            <p:cNvPr id="32" name="Straight Connector 31"/>
+            <p:cNvCxnSpPr>
+              <a:stCxn id="9" idx="0"/>
+              <a:endCxn id="21" idx="2"/>
+            </p:cNvCxnSpPr>
+            <p:nvPr/>
+          </p:nvCxnSpPr>
+          <p:spPr>
+            <a:xfrm flipH="1" flipV="1">
+              <a:off x="7364" y="4154"/>
+              <a:ext cx="1818" cy="1589"/>
+            </a:xfrm>
+            <a:prstGeom prst="line">
+              <a:avLst/>
+            </a:prstGeom>
+          </p:spPr>
+          <p:style>
+            <a:lnRef idx="1">
+              <a:schemeClr val="dk1"/>
+            </a:lnRef>
+            <a:fillRef idx="0">
+              <a:schemeClr val="dk1"/>
+            </a:fillRef>
+            <a:effectRef idx="0">
+              <a:schemeClr val="dk1"/>
+            </a:effectRef>
+            <a:fontRef idx="minor">
+              <a:schemeClr val="tx1"/>
+            </a:fontRef>
+          </p:style>
+        </p:cxnSp>
+        <p:sp>
+          <p:nvSpPr>
+            <p:cNvPr id="34" name="Rounded Rectangle 33"/>
+            <p:cNvSpPr/>
+            <p:nvPr/>
+          </p:nvSpPr>
+          <p:spPr>
+            <a:xfrm>
+              <a:off x="9179" y="2914"/>
+              <a:ext cx="1205" cy="750"/>
+            </a:xfrm>
+            <a:prstGeom prst="roundRect">
+              <a:avLst/>
+            </a:prstGeom>
+          </p:spPr>
+          <p:style>
+            <a:lnRef idx="2">
+              <a:schemeClr val="accent1">
+                <a:shade val="50000"/>
+              </a:schemeClr>
+            </a:lnRef>
+            <a:fillRef idx="1">
+              <a:schemeClr val="accent1"/>
+            </a:fillRef>
+            <a:effectRef idx="0">
+              <a:schemeClr val="accent1"/>
+            </a:effectRef>
+            <a:fontRef idx="minor">
+              <a:schemeClr val="lt1"/>
+            </a:fontRef>
+          </p:style>
+          <p:txBody>
+            <a:bodyPr rtlCol="0" anchor="ctr"/>
+            <a:p>
+              <a:pPr algn="ctr"/>
+              <a:r>
+                <a:rPr lang="en-US" sz="1400"/>
+                <a:t>CNN</a:t>
+              </a:r>
+              <a:endParaRPr lang="en-US" sz="1400"/>
+            </a:p>
+          </p:txBody>
+        </p:sp>
+        <p:cxnSp>
+          <p:nvCxnSpPr>
+            <p:cNvPr id="35" name="Straight Connector 34"/>
+            <p:cNvCxnSpPr>
+              <a:stCxn id="24" idx="3"/>
+              <a:endCxn id="34" idx="1"/>
+            </p:cNvCxnSpPr>
+            <p:nvPr/>
+          </p:nvCxnSpPr>
+          <p:spPr>
+            <a:xfrm flipV="1">
+              <a:off x="8706" y="3289"/>
+              <a:ext cx="473" cy="1"/>
+            </a:xfrm>
+            <a:prstGeom prst="line">
+              <a:avLst/>
+            </a:prstGeom>
+          </p:spPr>
+          <p:style>
+            <a:lnRef idx="1">
+              <a:schemeClr val="dk1"/>
+            </a:lnRef>
+            <a:fillRef idx="0">
+              <a:schemeClr val="dk1"/>
+            </a:fillRef>
+            <a:effectRef idx="0">
+              <a:schemeClr val="dk1"/>
+            </a:effectRef>
+            <a:fontRef idx="minor">
+              <a:schemeClr val="tx1"/>
+            </a:fontRef>
+          </p:style>
+        </p:cxnSp>
+        <p:sp>
+          <p:nvSpPr>
+            <p:cNvPr id="42" name="Rounded Rectangle 41"/>
+            <p:cNvSpPr/>
+            <p:nvPr/>
+          </p:nvSpPr>
+          <p:spPr>
+            <a:xfrm>
+              <a:off x="10851" y="2915"/>
+              <a:ext cx="1205" cy="750"/>
+            </a:xfrm>
+            <a:prstGeom prst="roundRect">
+              <a:avLst/>
+            </a:prstGeom>
+          </p:spPr>
+          <p:style>
+            <a:lnRef idx="2">
+              <a:schemeClr val="accent1">
+                <a:shade val="50000"/>
+              </a:schemeClr>
+            </a:lnRef>
+            <a:fillRef idx="1">
+              <a:schemeClr val="accent1"/>
+            </a:fillRef>
+            <a:effectRef idx="0">
+              <a:schemeClr val="accent1"/>
+            </a:effectRef>
+            <a:fontRef idx="minor">
+              <a:schemeClr val="lt1"/>
+            </a:fontRef>
+          </p:style>
+          <p:txBody>
+            <a:bodyPr rtlCol="0" anchor="ctr"/>
+            <a:p>
+              <a:pPr algn="ctr"/>
+              <a:r>
+                <a:rPr lang="en-US" sz="1400"/>
+                <a:t>Linear</a:t>
+              </a:r>
+              <a:endParaRPr lang="en-US" sz="1400"/>
+            </a:p>
+          </p:txBody>
+        </p:sp>
+        <p:cxnSp>
+          <p:nvCxnSpPr>
+            <p:cNvPr id="44" name="Straight Connector 43"/>
+            <p:cNvCxnSpPr>
+              <a:stCxn id="42" idx="3"/>
+              <a:endCxn id="23" idx="1"/>
+            </p:cNvCxnSpPr>
+            <p:nvPr/>
+          </p:nvCxnSpPr>
+          <p:spPr>
+            <a:xfrm>
+              <a:off x="12056" y="3290"/>
+              <a:ext cx="406" cy="1"/>
+            </a:xfrm>
+            <a:prstGeom prst="line">
+              <a:avLst/>
+            </a:prstGeom>
+          </p:spPr>
+          <p:style>
+            <a:lnRef idx="1">
+              <a:schemeClr val="dk1"/>
+            </a:lnRef>
+            <a:fillRef idx="0">
+              <a:schemeClr val="dk1"/>
+            </a:fillRef>
+            <a:effectRef idx="0">
+              <a:schemeClr val="dk1"/>
+            </a:effectRef>
+            <a:fontRef idx="minor">
+              <a:schemeClr val="tx1"/>
+            </a:fontRef>
+          </p:style>
+        </p:cxnSp>
+        <p:cxnSp>
+          <p:nvCxnSpPr>
+            <p:cNvPr id="45" name="Straight Connector 44"/>
+            <p:cNvCxnSpPr>
+              <a:stCxn id="34" idx="3"/>
+              <a:endCxn id="42" idx="1"/>
+            </p:cNvCxnSpPr>
+            <p:nvPr/>
+          </p:nvCxnSpPr>
+          <p:spPr>
+            <a:xfrm>
+              <a:off x="10384" y="3289"/>
+              <a:ext cx="467" cy="1"/>
+            </a:xfrm>
+            <a:prstGeom prst="line">
+              <a:avLst/>
+            </a:prstGeom>
+          </p:spPr>
+          <p:style>
+            <a:lnRef idx="1">
+              <a:schemeClr val="dk1"/>
+            </a:lnRef>
+            <a:fillRef idx="0">
+              <a:schemeClr val="dk1"/>
+            </a:fillRef>
+            <a:effectRef idx="0">
+              <a:schemeClr val="dk1"/>
+            </a:effectRef>
+            <a:fontRef idx="minor">
+              <a:schemeClr val="tx1"/>
+            </a:fontRef>
+          </p:style>
+        </p:cxnSp>
+        <p:sp>
+          <p:nvSpPr>
+            <p:cNvPr id="49" name="Freeform 48"/>
+            <p:cNvSpPr/>
+            <p:nvPr/>
+          </p:nvSpPr>
+          <p:spPr>
+            <a:xfrm>
+              <a:off x="9729" y="2274"/>
+              <a:ext cx="3335" cy="646"/>
+            </a:xfrm>
+            <a:custGeom>
+              <a:avLst/>
+              <a:gdLst>
+                <a:gd name="connisteX0" fmla="*/ 0 w 2117725"/>
+                <a:gd name="connsiteY0" fmla="*/ 410210 h 410210"/>
+                <a:gd name="connisteX1" fmla="*/ 964565 w 2117725"/>
+                <a:gd name="connsiteY1" fmla="*/ 0 h 410210"/>
+                <a:gd name="connisteX2" fmla="*/ 2117725 w 2117725"/>
+                <a:gd name="connsiteY2" fmla="*/ 410210 h 410210"/>
+              </a:gdLst>
+              <a:ahLst/>
+              <a:cxnLst>
+                <a:cxn ang="0">
+                  <a:pos x="connisteX0" y="connsiteY0"/>
+                </a:cxn>
+                <a:cxn ang="0">
+                  <a:pos x="connisteX1" y="connsiteY1"/>
+                </a:cxn>
+                <a:cxn ang="0">
+                  <a:pos x="connisteX2" y="connsiteY2"/>
+                </a:cxn>
+              </a:cxnLst>
+              <a:rect l="l" t="t" r="r" b="b"/>
+              <a:pathLst>
+                <a:path w="2117725" h="410210">
+                  <a:moveTo>
+                    <a:pt x="0" y="410210"/>
+                  </a:moveTo>
+                  <a:cubicBezTo>
+                    <a:pt x="169545" y="320040"/>
+                    <a:pt x="541020" y="0"/>
+                    <a:pt x="964565" y="0"/>
+                  </a:cubicBezTo>
+                  <a:cubicBezTo>
+                    <a:pt x="1388110" y="0"/>
+                    <a:pt x="1906270" y="320040"/>
+                    <a:pt x="2117725" y="410210"/>
+                  </a:cubicBezTo>
+                </a:path>
+              </a:pathLst>
+            </a:custGeom>
+          </p:spPr>
+          <p:style>
+            <a:lnRef idx="2">
+              <a:schemeClr val="dk1"/>
+            </a:lnRef>
+            <a:fillRef idx="0">
+              <a:schemeClr val="dk1"/>
+            </a:fillRef>
+            <a:effectRef idx="1">
+              <a:schemeClr val="dk1"/>
+            </a:effectRef>
+            <a:fontRef idx="minor">
+              <a:schemeClr val="tx1"/>
+            </a:fontRef>
+          </p:style>
+          <p:txBody>
+            <a:bodyPr rtlCol="0" anchor="ctr"/>
+            <a:p>
+              <a:pPr algn="ctr"/>
+              <a:endParaRPr lang="en-US"/>
+            </a:p>
+          </p:txBody>
+        </p:sp>
       </p:grpSp>
     </p:spTree>
   </p:cSld>
